--- a/设计及架构/Register And Discovery.pptx
+++ b/设计及架构/Register And Discovery.pptx
@@ -5,7 +5,7 @@
     <p:sldMasterId id="2147483648" r:id="rId1"/>
   </p:sldMasterIdLst>
   <p:notesMasterIdLst>
-    <p:notesMasterId r:id="rId9"/>
+    <p:notesMasterId r:id="rId12"/>
   </p:notesMasterIdLst>
   <p:sldIdLst>
     <p:sldId id="303" r:id="rId2"/>
@@ -15,6 +15,9 @@
     <p:sldId id="307" r:id="rId6"/>
     <p:sldId id="308" r:id="rId7"/>
     <p:sldId id="309" r:id="rId8"/>
+    <p:sldId id="311" r:id="rId9"/>
+    <p:sldId id="310" r:id="rId10"/>
+    <p:sldId id="312" r:id="rId11"/>
   </p:sldIdLst>
   <p:sldSz cx="12192000" cy="6858000"/>
   <p:notesSz cx="6858000" cy="9144000"/>
@@ -1884,6 +1887,433 @@
 </p:notes>
 </file>
 
+<file path=ppt/notesSlides/notesSlide10.xml><?xml version="1.0" encoding="utf-8"?>
+<p:notes xmlns:a="http://schemas.openxmlformats.org/drawingml/2006/main" xmlns:r="http://schemas.openxmlformats.org/officeDocument/2006/relationships" xmlns:p="http://schemas.openxmlformats.org/presentationml/2006/main" showMasterSp="0" showMasterPhAnim="0">
+  <p:cSld>
+    <p:spTree>
+      <p:nvGrpSpPr>
+        <p:cNvPr id="1" name="Shape 308"/>
+        <p:cNvGrpSpPr/>
+        <p:nvPr/>
+      </p:nvGrpSpPr>
+      <p:grpSpPr>
+        <a:xfrm>
+          <a:off x="0" y="0"/>
+          <a:ext cx="0" cy="0"/>
+          <a:chOff x="0" y="0"/>
+          <a:chExt cx="0" cy="0"/>
+        </a:xfrm>
+      </p:grpSpPr>
+      <p:sp>
+        <p:nvSpPr>
+          <p:cNvPr id="309" name="Shape 309"/>
+          <p:cNvSpPr>
+            <a:spLocks noGrp="1" noRot="1" noChangeAspect="1"/>
+          </p:cNvSpPr>
+          <p:nvPr>
+            <p:ph type="sldImg" idx="2"/>
+          </p:nvPr>
+        </p:nvSpPr>
+        <p:spPr>
+          <a:xfrm>
+            <a:off x="406400" y="696913"/>
+            <a:ext cx="6196013" cy="3486150"/>
+          </a:xfrm>
+          <a:custGeom>
+            <a:avLst/>
+            <a:gdLst/>
+            <a:ahLst/>
+            <a:cxnLst/>
+            <a:rect l="0" t="0" r="0" b="0"/>
+            <a:pathLst>
+              <a:path w="120000" h="120000" extrusionOk="0">
+                <a:moveTo>
+                  <a:pt x="0" y="0"/>
+                </a:moveTo>
+                <a:lnTo>
+                  <a:pt x="120000" y="0"/>
+                </a:lnTo>
+                <a:lnTo>
+                  <a:pt x="120000" y="120000"/>
+                </a:lnTo>
+                <a:lnTo>
+                  <a:pt x="0" y="120000"/>
+                </a:lnTo>
+                <a:close/>
+              </a:path>
+            </a:pathLst>
+          </a:custGeom>
+          <a:noFill/>
+          <a:ln w="12700" cap="flat" cmpd="sng">
+            <a:solidFill>
+              <a:srgbClr val="000000"/>
+            </a:solidFill>
+            <a:prstDash val="solid"/>
+            <a:round/>
+            <a:headEnd type="none" w="med" len="med"/>
+            <a:tailEnd type="none" w="med" len="med"/>
+          </a:ln>
+        </p:spPr>
+      </p:sp>
+      <p:sp>
+        <p:nvSpPr>
+          <p:cNvPr id="310" name="Shape 310"/>
+          <p:cNvSpPr txBox="1">
+            <a:spLocks noGrp="1"/>
+          </p:cNvSpPr>
+          <p:nvPr>
+            <p:ph type="body" idx="1"/>
+          </p:nvPr>
+        </p:nvSpPr>
+        <p:spPr>
+          <a:xfrm>
+            <a:off x="701039" y="4415789"/>
+            <a:ext cx="5608200" cy="4183500"/>
+          </a:xfrm>
+          <a:prstGeom prst="rect">
+            <a:avLst/>
+          </a:prstGeom>
+          <a:noFill/>
+          <a:ln>
+            <a:noFill/>
+          </a:ln>
+        </p:spPr>
+        <p:txBody>
+          <a:bodyPr lIns="91425" tIns="91425" rIns="91425" bIns="91425" anchor="ctr" anchorCtr="0">
+            <a:noAutofit/>
+          </a:bodyPr>
+          <a:lstStyle/>
+          <a:p>
+            <a:pPr marL="0" marR="0" lvl="0" indent="0" algn="l" rtl="0">
+              <a:spcBef>
+                <a:spcPts val="0"/>
+              </a:spcBef>
+              <a:buClr>
+                <a:schemeClr val="dk1"/>
+              </a:buClr>
+              <a:buSzPct val="25000"/>
+              <a:buFont typeface="Arial"/>
+              <a:buNone/>
+            </a:pPr>
+            <a:r>
+              <a:rPr lang="en-US" sz="1100" b="0" i="0" u="none" strike="noStrike" cap="none" dirty="0" smtClean="0">
+                <a:solidFill>
+                  <a:schemeClr val="dk1"/>
+                </a:solidFill>
+                <a:latin typeface="Roboto"/>
+                <a:ea typeface="Roboto"/>
+                <a:cs typeface="Roboto"/>
+                <a:sym typeface="Roboto"/>
+              </a:rPr>
+              <a:t>https://cloud.spring.io/spring-cloud-netflix/multi/multi_spring-cloud-eureka-server.html#spring-cloud-eureka-server-zones-and-regions</a:t>
+            </a:r>
+            <a:endParaRPr sz="1100" b="0" i="0" u="none" strike="noStrike" cap="none" dirty="0">
+              <a:solidFill>
+                <a:schemeClr val="dk1"/>
+              </a:solidFill>
+              <a:latin typeface="Roboto"/>
+              <a:ea typeface="Roboto"/>
+              <a:cs typeface="Roboto"/>
+              <a:sym typeface="Roboto"/>
+            </a:endParaRPr>
+          </a:p>
+        </p:txBody>
+      </p:sp>
+      <p:sp>
+        <p:nvSpPr>
+          <p:cNvPr id="311" name="Shape 311"/>
+          <p:cNvSpPr txBox="1">
+            <a:spLocks noGrp="1"/>
+          </p:cNvSpPr>
+          <p:nvPr>
+            <p:ph type="sldNum" idx="12"/>
+          </p:nvPr>
+        </p:nvSpPr>
+        <p:spPr>
+          <a:xfrm>
+            <a:off x="3970937" y="8829967"/>
+            <a:ext cx="3037799" cy="464699"/>
+          </a:xfrm>
+          <a:prstGeom prst="rect">
+            <a:avLst/>
+          </a:prstGeom>
+          <a:noFill/>
+          <a:ln>
+            <a:noFill/>
+          </a:ln>
+        </p:spPr>
+        <p:txBody>
+          <a:bodyPr lIns="91425" tIns="91425" rIns="91425" bIns="91425" anchor="b" anchorCtr="0">
+            <a:noAutofit/>
+          </a:bodyPr>
+          <a:lstStyle/>
+          <a:p>
+            <a:pPr marL="0" marR="0" lvl="0" indent="0" algn="l" rtl="0">
+              <a:lnSpc>
+                <a:spcPct val="100000"/>
+              </a:lnSpc>
+              <a:spcBef>
+                <a:spcPts val="0"/>
+              </a:spcBef>
+              <a:spcAft>
+                <a:spcPts val="0"/>
+              </a:spcAft>
+              <a:buClr>
+                <a:srgbClr val="000000"/>
+              </a:buClr>
+              <a:buSzPct val="25000"/>
+              <a:buFont typeface="Arial"/>
+              <a:buNone/>
+            </a:pPr>
+            <a:endParaRPr sz="1400" b="0" i="0" u="none" strike="noStrike" cap="none">
+              <a:solidFill>
+                <a:srgbClr val="000000"/>
+              </a:solidFill>
+              <a:latin typeface="Arial"/>
+              <a:ea typeface="Arial"/>
+              <a:cs typeface="Arial"/>
+              <a:sym typeface="Arial"/>
+            </a:endParaRPr>
+          </a:p>
+          <a:p>
+            <a:pPr marL="457200" marR="0" lvl="1" indent="0" algn="l" rtl="0">
+              <a:lnSpc>
+                <a:spcPct val="100000"/>
+              </a:lnSpc>
+              <a:spcBef>
+                <a:spcPts val="0"/>
+              </a:spcBef>
+              <a:spcAft>
+                <a:spcPts val="0"/>
+              </a:spcAft>
+              <a:buClr>
+                <a:srgbClr val="000000"/>
+              </a:buClr>
+              <a:buSzPct val="25000"/>
+              <a:buFont typeface="Arial"/>
+              <a:buNone/>
+            </a:pPr>
+            <a:endParaRPr sz="1400" b="0" i="0" u="none" strike="noStrike" cap="none">
+              <a:solidFill>
+                <a:srgbClr val="000000"/>
+              </a:solidFill>
+              <a:latin typeface="Arial"/>
+              <a:ea typeface="Arial"/>
+              <a:cs typeface="Arial"/>
+              <a:sym typeface="Arial"/>
+            </a:endParaRPr>
+          </a:p>
+          <a:p>
+            <a:pPr marL="914400" marR="0" lvl="2" indent="0" algn="l" rtl="0">
+              <a:lnSpc>
+                <a:spcPct val="100000"/>
+              </a:lnSpc>
+              <a:spcBef>
+                <a:spcPts val="0"/>
+              </a:spcBef>
+              <a:spcAft>
+                <a:spcPts val="0"/>
+              </a:spcAft>
+              <a:buClr>
+                <a:srgbClr val="000000"/>
+              </a:buClr>
+              <a:buSzPct val="25000"/>
+              <a:buFont typeface="Arial"/>
+              <a:buNone/>
+            </a:pPr>
+            <a:endParaRPr sz="1400" b="0" i="0" u="none" strike="noStrike" cap="none">
+              <a:solidFill>
+                <a:srgbClr val="000000"/>
+              </a:solidFill>
+              <a:latin typeface="Arial"/>
+              <a:ea typeface="Arial"/>
+              <a:cs typeface="Arial"/>
+              <a:sym typeface="Arial"/>
+            </a:endParaRPr>
+          </a:p>
+          <a:p>
+            <a:pPr marL="1371600" marR="0" lvl="3" indent="0" algn="l" rtl="0">
+              <a:lnSpc>
+                <a:spcPct val="100000"/>
+              </a:lnSpc>
+              <a:spcBef>
+                <a:spcPts val="0"/>
+              </a:spcBef>
+              <a:spcAft>
+                <a:spcPts val="0"/>
+              </a:spcAft>
+              <a:buClr>
+                <a:srgbClr val="000000"/>
+              </a:buClr>
+              <a:buSzPct val="25000"/>
+              <a:buFont typeface="Arial"/>
+              <a:buNone/>
+            </a:pPr>
+            <a:endParaRPr sz="1400" b="0" i="0" u="none" strike="noStrike" cap="none">
+              <a:solidFill>
+                <a:srgbClr val="000000"/>
+              </a:solidFill>
+              <a:latin typeface="Arial"/>
+              <a:ea typeface="Arial"/>
+              <a:cs typeface="Arial"/>
+              <a:sym typeface="Arial"/>
+            </a:endParaRPr>
+          </a:p>
+          <a:p>
+            <a:pPr marL="1828800" marR="0" lvl="4" indent="0" algn="l" rtl="0">
+              <a:lnSpc>
+                <a:spcPct val="100000"/>
+              </a:lnSpc>
+              <a:spcBef>
+                <a:spcPts val="0"/>
+              </a:spcBef>
+              <a:spcAft>
+                <a:spcPts val="0"/>
+              </a:spcAft>
+              <a:buClr>
+                <a:srgbClr val="000000"/>
+              </a:buClr>
+              <a:buSzPct val="25000"/>
+              <a:buFont typeface="Arial"/>
+              <a:buNone/>
+            </a:pPr>
+            <a:endParaRPr sz="1400" b="0" i="0" u="none" strike="noStrike" cap="none">
+              <a:solidFill>
+                <a:srgbClr val="000000"/>
+              </a:solidFill>
+              <a:latin typeface="Arial"/>
+              <a:ea typeface="Arial"/>
+              <a:cs typeface="Arial"/>
+              <a:sym typeface="Arial"/>
+            </a:endParaRPr>
+          </a:p>
+          <a:p>
+            <a:pPr marL="2286000" marR="0" lvl="5" indent="0" algn="l" rtl="0">
+              <a:lnSpc>
+                <a:spcPct val="100000"/>
+              </a:lnSpc>
+              <a:spcBef>
+                <a:spcPts val="0"/>
+              </a:spcBef>
+              <a:spcAft>
+                <a:spcPts val="0"/>
+              </a:spcAft>
+              <a:buClr>
+                <a:srgbClr val="000000"/>
+              </a:buClr>
+              <a:buSzPct val="25000"/>
+              <a:buFont typeface="Arial"/>
+              <a:buNone/>
+            </a:pPr>
+            <a:endParaRPr sz="1400" b="0" i="0" u="none" strike="noStrike" cap="none">
+              <a:solidFill>
+                <a:srgbClr val="000000"/>
+              </a:solidFill>
+              <a:latin typeface="Arial"/>
+              <a:ea typeface="Arial"/>
+              <a:cs typeface="Arial"/>
+              <a:sym typeface="Arial"/>
+            </a:endParaRPr>
+          </a:p>
+          <a:p>
+            <a:pPr marL="2743200" marR="0" lvl="6" indent="0" algn="l" rtl="0">
+              <a:lnSpc>
+                <a:spcPct val="100000"/>
+              </a:lnSpc>
+              <a:spcBef>
+                <a:spcPts val="0"/>
+              </a:spcBef>
+              <a:spcAft>
+                <a:spcPts val="0"/>
+              </a:spcAft>
+              <a:buClr>
+                <a:srgbClr val="000000"/>
+              </a:buClr>
+              <a:buSzPct val="25000"/>
+              <a:buFont typeface="Arial"/>
+              <a:buNone/>
+            </a:pPr>
+            <a:endParaRPr sz="1400" b="0" i="0" u="none" strike="noStrike" cap="none">
+              <a:solidFill>
+                <a:srgbClr val="000000"/>
+              </a:solidFill>
+              <a:latin typeface="Arial"/>
+              <a:ea typeface="Arial"/>
+              <a:cs typeface="Arial"/>
+              <a:sym typeface="Arial"/>
+            </a:endParaRPr>
+          </a:p>
+          <a:p>
+            <a:pPr marL="3200400" marR="0" lvl="7" indent="0" algn="l" rtl="0">
+              <a:lnSpc>
+                <a:spcPct val="100000"/>
+              </a:lnSpc>
+              <a:spcBef>
+                <a:spcPts val="0"/>
+              </a:spcBef>
+              <a:spcAft>
+                <a:spcPts val="0"/>
+              </a:spcAft>
+              <a:buClr>
+                <a:srgbClr val="000000"/>
+              </a:buClr>
+              <a:buSzPct val="25000"/>
+              <a:buFont typeface="Arial"/>
+              <a:buNone/>
+            </a:pPr>
+            <a:endParaRPr sz="1400" b="0" i="0" u="none" strike="noStrike" cap="none">
+              <a:solidFill>
+                <a:srgbClr val="000000"/>
+              </a:solidFill>
+              <a:latin typeface="Arial"/>
+              <a:ea typeface="Arial"/>
+              <a:cs typeface="Arial"/>
+              <a:sym typeface="Arial"/>
+            </a:endParaRPr>
+          </a:p>
+          <a:p>
+            <a:pPr marL="3657600" marR="0" lvl="8" indent="0" algn="l" rtl="0">
+              <a:lnSpc>
+                <a:spcPct val="100000"/>
+              </a:lnSpc>
+              <a:spcBef>
+                <a:spcPts val="0"/>
+              </a:spcBef>
+              <a:spcAft>
+                <a:spcPts val="0"/>
+              </a:spcAft>
+              <a:buClr>
+                <a:srgbClr val="000000"/>
+              </a:buClr>
+              <a:buSzPct val="25000"/>
+              <a:buFont typeface="Arial"/>
+              <a:buNone/>
+            </a:pPr>
+            <a:endParaRPr sz="1400" b="0" i="0" u="none" strike="noStrike" cap="none">
+              <a:solidFill>
+                <a:srgbClr val="000000"/>
+              </a:solidFill>
+              <a:latin typeface="Arial"/>
+              <a:ea typeface="Arial"/>
+              <a:cs typeface="Arial"/>
+              <a:sym typeface="Arial"/>
+            </a:endParaRPr>
+          </a:p>
+        </p:txBody>
+      </p:sp>
+    </p:spTree>
+    <p:extLst>
+      <p:ext uri="{BB962C8B-B14F-4D97-AF65-F5344CB8AC3E}">
+        <p14:creationId xmlns:p14="http://schemas.microsoft.com/office/powerpoint/2010/main" val="1939426867"/>
+      </p:ext>
+    </p:extLst>
+  </p:cSld>
+  <p:clrMapOvr>
+    <a:masterClrMapping/>
+  </p:clrMapOvr>
+</p:notes>
+</file>
+
 <file path=ppt/notesSlides/notesSlide2.xml><?xml version="1.0" encoding="utf-8"?>
 <p:notes xmlns:a="http://schemas.openxmlformats.org/drawingml/2006/main" xmlns:r="http://schemas.openxmlformats.org/officeDocument/2006/relationships" xmlns:p="http://schemas.openxmlformats.org/presentationml/2006/main" showMasterSp="0" showMasterPhAnim="0">
   <p:cSld>
@@ -4413,6 +4843,860 @@
     <p:extLst>
       <p:ext uri="{BB962C8B-B14F-4D97-AF65-F5344CB8AC3E}">
         <p14:creationId xmlns:p14="http://schemas.microsoft.com/office/powerpoint/2010/main" val="3366669625"/>
+      </p:ext>
+    </p:extLst>
+  </p:cSld>
+  <p:clrMapOvr>
+    <a:masterClrMapping/>
+  </p:clrMapOvr>
+</p:notes>
+</file>
+
+<file path=ppt/notesSlides/notesSlide8.xml><?xml version="1.0" encoding="utf-8"?>
+<p:notes xmlns:a="http://schemas.openxmlformats.org/drawingml/2006/main" xmlns:r="http://schemas.openxmlformats.org/officeDocument/2006/relationships" xmlns:p="http://schemas.openxmlformats.org/presentationml/2006/main" showMasterSp="0" showMasterPhAnim="0">
+  <p:cSld>
+    <p:spTree>
+      <p:nvGrpSpPr>
+        <p:cNvPr id="1" name="Shape 308"/>
+        <p:cNvGrpSpPr/>
+        <p:nvPr/>
+      </p:nvGrpSpPr>
+      <p:grpSpPr>
+        <a:xfrm>
+          <a:off x="0" y="0"/>
+          <a:ext cx="0" cy="0"/>
+          <a:chOff x="0" y="0"/>
+          <a:chExt cx="0" cy="0"/>
+        </a:xfrm>
+      </p:grpSpPr>
+      <p:sp>
+        <p:nvSpPr>
+          <p:cNvPr id="309" name="Shape 309"/>
+          <p:cNvSpPr>
+            <a:spLocks noGrp="1" noRot="1" noChangeAspect="1"/>
+          </p:cNvSpPr>
+          <p:nvPr>
+            <p:ph type="sldImg" idx="2"/>
+          </p:nvPr>
+        </p:nvSpPr>
+        <p:spPr>
+          <a:xfrm>
+            <a:off x="406400" y="696913"/>
+            <a:ext cx="6196013" cy="3486150"/>
+          </a:xfrm>
+          <a:custGeom>
+            <a:avLst/>
+            <a:gdLst/>
+            <a:ahLst/>
+            <a:cxnLst/>
+            <a:rect l="0" t="0" r="0" b="0"/>
+            <a:pathLst>
+              <a:path w="120000" h="120000" extrusionOk="0">
+                <a:moveTo>
+                  <a:pt x="0" y="0"/>
+                </a:moveTo>
+                <a:lnTo>
+                  <a:pt x="120000" y="0"/>
+                </a:lnTo>
+                <a:lnTo>
+                  <a:pt x="120000" y="120000"/>
+                </a:lnTo>
+                <a:lnTo>
+                  <a:pt x="0" y="120000"/>
+                </a:lnTo>
+                <a:close/>
+              </a:path>
+            </a:pathLst>
+          </a:custGeom>
+          <a:noFill/>
+          <a:ln w="12700" cap="flat" cmpd="sng">
+            <a:solidFill>
+              <a:srgbClr val="000000"/>
+            </a:solidFill>
+            <a:prstDash val="solid"/>
+            <a:round/>
+            <a:headEnd type="none" w="med" len="med"/>
+            <a:tailEnd type="none" w="med" len="med"/>
+          </a:ln>
+        </p:spPr>
+      </p:sp>
+      <p:sp>
+        <p:nvSpPr>
+          <p:cNvPr id="310" name="Shape 310"/>
+          <p:cNvSpPr txBox="1">
+            <a:spLocks noGrp="1"/>
+          </p:cNvSpPr>
+          <p:nvPr>
+            <p:ph type="body" idx="1"/>
+          </p:nvPr>
+        </p:nvSpPr>
+        <p:spPr>
+          <a:xfrm>
+            <a:off x="701039" y="4415789"/>
+            <a:ext cx="5608200" cy="4183500"/>
+          </a:xfrm>
+          <a:prstGeom prst="rect">
+            <a:avLst/>
+          </a:prstGeom>
+          <a:noFill/>
+          <a:ln>
+            <a:noFill/>
+          </a:ln>
+        </p:spPr>
+        <p:txBody>
+          <a:bodyPr lIns="91425" tIns="91425" rIns="91425" bIns="91425" anchor="ctr" anchorCtr="0">
+            <a:noAutofit/>
+          </a:bodyPr>
+          <a:lstStyle/>
+          <a:p>
+            <a:pPr marL="0" marR="0" lvl="0" indent="0" algn="l" rtl="0">
+              <a:spcBef>
+                <a:spcPts val="0"/>
+              </a:spcBef>
+              <a:buClr>
+                <a:schemeClr val="dk1"/>
+              </a:buClr>
+              <a:buSzPct val="25000"/>
+              <a:buFont typeface="Arial"/>
+              <a:buNone/>
+            </a:pPr>
+            <a:r>
+              <a:rPr lang="en-US" sz="1100" b="0" i="0" u="none" strike="noStrike" cap="none" dirty="0" smtClean="0">
+                <a:solidFill>
+                  <a:schemeClr val="dk1"/>
+                </a:solidFill>
+                <a:latin typeface="Roboto"/>
+                <a:ea typeface="Roboto"/>
+                <a:cs typeface="Roboto"/>
+                <a:sym typeface="Roboto"/>
+              </a:rPr>
+              <a:t>https://cloud.spring.io/spring-cloud-netflix/multi/multi_spring-cloud-eureka-server.html#spring-cloud-eureka-server-zones-and-regions</a:t>
+            </a:r>
+            <a:endParaRPr sz="1100" b="0" i="0" u="none" strike="noStrike" cap="none" dirty="0">
+              <a:solidFill>
+                <a:schemeClr val="dk1"/>
+              </a:solidFill>
+              <a:latin typeface="Roboto"/>
+              <a:ea typeface="Roboto"/>
+              <a:cs typeface="Roboto"/>
+              <a:sym typeface="Roboto"/>
+            </a:endParaRPr>
+          </a:p>
+        </p:txBody>
+      </p:sp>
+      <p:sp>
+        <p:nvSpPr>
+          <p:cNvPr id="311" name="Shape 311"/>
+          <p:cNvSpPr txBox="1">
+            <a:spLocks noGrp="1"/>
+          </p:cNvSpPr>
+          <p:nvPr>
+            <p:ph type="sldNum" idx="12"/>
+          </p:nvPr>
+        </p:nvSpPr>
+        <p:spPr>
+          <a:xfrm>
+            <a:off x="3970937" y="8829967"/>
+            <a:ext cx="3037799" cy="464699"/>
+          </a:xfrm>
+          <a:prstGeom prst="rect">
+            <a:avLst/>
+          </a:prstGeom>
+          <a:noFill/>
+          <a:ln>
+            <a:noFill/>
+          </a:ln>
+        </p:spPr>
+        <p:txBody>
+          <a:bodyPr lIns="91425" tIns="91425" rIns="91425" bIns="91425" anchor="b" anchorCtr="0">
+            <a:noAutofit/>
+          </a:bodyPr>
+          <a:lstStyle/>
+          <a:p>
+            <a:pPr marL="0" marR="0" lvl="0" indent="0" algn="l" rtl="0">
+              <a:lnSpc>
+                <a:spcPct val="100000"/>
+              </a:lnSpc>
+              <a:spcBef>
+                <a:spcPts val="0"/>
+              </a:spcBef>
+              <a:spcAft>
+                <a:spcPts val="0"/>
+              </a:spcAft>
+              <a:buClr>
+                <a:srgbClr val="000000"/>
+              </a:buClr>
+              <a:buSzPct val="25000"/>
+              <a:buFont typeface="Arial"/>
+              <a:buNone/>
+            </a:pPr>
+            <a:endParaRPr sz="1400" b="0" i="0" u="none" strike="noStrike" cap="none">
+              <a:solidFill>
+                <a:srgbClr val="000000"/>
+              </a:solidFill>
+              <a:latin typeface="Arial"/>
+              <a:ea typeface="Arial"/>
+              <a:cs typeface="Arial"/>
+              <a:sym typeface="Arial"/>
+            </a:endParaRPr>
+          </a:p>
+          <a:p>
+            <a:pPr marL="457200" marR="0" lvl="1" indent="0" algn="l" rtl="0">
+              <a:lnSpc>
+                <a:spcPct val="100000"/>
+              </a:lnSpc>
+              <a:spcBef>
+                <a:spcPts val="0"/>
+              </a:spcBef>
+              <a:spcAft>
+                <a:spcPts val="0"/>
+              </a:spcAft>
+              <a:buClr>
+                <a:srgbClr val="000000"/>
+              </a:buClr>
+              <a:buSzPct val="25000"/>
+              <a:buFont typeface="Arial"/>
+              <a:buNone/>
+            </a:pPr>
+            <a:endParaRPr sz="1400" b="0" i="0" u="none" strike="noStrike" cap="none">
+              <a:solidFill>
+                <a:srgbClr val="000000"/>
+              </a:solidFill>
+              <a:latin typeface="Arial"/>
+              <a:ea typeface="Arial"/>
+              <a:cs typeface="Arial"/>
+              <a:sym typeface="Arial"/>
+            </a:endParaRPr>
+          </a:p>
+          <a:p>
+            <a:pPr marL="914400" marR="0" lvl="2" indent="0" algn="l" rtl="0">
+              <a:lnSpc>
+                <a:spcPct val="100000"/>
+              </a:lnSpc>
+              <a:spcBef>
+                <a:spcPts val="0"/>
+              </a:spcBef>
+              <a:spcAft>
+                <a:spcPts val="0"/>
+              </a:spcAft>
+              <a:buClr>
+                <a:srgbClr val="000000"/>
+              </a:buClr>
+              <a:buSzPct val="25000"/>
+              <a:buFont typeface="Arial"/>
+              <a:buNone/>
+            </a:pPr>
+            <a:endParaRPr sz="1400" b="0" i="0" u="none" strike="noStrike" cap="none">
+              <a:solidFill>
+                <a:srgbClr val="000000"/>
+              </a:solidFill>
+              <a:latin typeface="Arial"/>
+              <a:ea typeface="Arial"/>
+              <a:cs typeface="Arial"/>
+              <a:sym typeface="Arial"/>
+            </a:endParaRPr>
+          </a:p>
+          <a:p>
+            <a:pPr marL="1371600" marR="0" lvl="3" indent="0" algn="l" rtl="0">
+              <a:lnSpc>
+                <a:spcPct val="100000"/>
+              </a:lnSpc>
+              <a:spcBef>
+                <a:spcPts val="0"/>
+              </a:spcBef>
+              <a:spcAft>
+                <a:spcPts val="0"/>
+              </a:spcAft>
+              <a:buClr>
+                <a:srgbClr val="000000"/>
+              </a:buClr>
+              <a:buSzPct val="25000"/>
+              <a:buFont typeface="Arial"/>
+              <a:buNone/>
+            </a:pPr>
+            <a:endParaRPr sz="1400" b="0" i="0" u="none" strike="noStrike" cap="none">
+              <a:solidFill>
+                <a:srgbClr val="000000"/>
+              </a:solidFill>
+              <a:latin typeface="Arial"/>
+              <a:ea typeface="Arial"/>
+              <a:cs typeface="Arial"/>
+              <a:sym typeface="Arial"/>
+            </a:endParaRPr>
+          </a:p>
+          <a:p>
+            <a:pPr marL="1828800" marR="0" lvl="4" indent="0" algn="l" rtl="0">
+              <a:lnSpc>
+                <a:spcPct val="100000"/>
+              </a:lnSpc>
+              <a:spcBef>
+                <a:spcPts val="0"/>
+              </a:spcBef>
+              <a:spcAft>
+                <a:spcPts val="0"/>
+              </a:spcAft>
+              <a:buClr>
+                <a:srgbClr val="000000"/>
+              </a:buClr>
+              <a:buSzPct val="25000"/>
+              <a:buFont typeface="Arial"/>
+              <a:buNone/>
+            </a:pPr>
+            <a:endParaRPr sz="1400" b="0" i="0" u="none" strike="noStrike" cap="none">
+              <a:solidFill>
+                <a:srgbClr val="000000"/>
+              </a:solidFill>
+              <a:latin typeface="Arial"/>
+              <a:ea typeface="Arial"/>
+              <a:cs typeface="Arial"/>
+              <a:sym typeface="Arial"/>
+            </a:endParaRPr>
+          </a:p>
+          <a:p>
+            <a:pPr marL="2286000" marR="0" lvl="5" indent="0" algn="l" rtl="0">
+              <a:lnSpc>
+                <a:spcPct val="100000"/>
+              </a:lnSpc>
+              <a:spcBef>
+                <a:spcPts val="0"/>
+              </a:spcBef>
+              <a:spcAft>
+                <a:spcPts val="0"/>
+              </a:spcAft>
+              <a:buClr>
+                <a:srgbClr val="000000"/>
+              </a:buClr>
+              <a:buSzPct val="25000"/>
+              <a:buFont typeface="Arial"/>
+              <a:buNone/>
+            </a:pPr>
+            <a:endParaRPr sz="1400" b="0" i="0" u="none" strike="noStrike" cap="none">
+              <a:solidFill>
+                <a:srgbClr val="000000"/>
+              </a:solidFill>
+              <a:latin typeface="Arial"/>
+              <a:ea typeface="Arial"/>
+              <a:cs typeface="Arial"/>
+              <a:sym typeface="Arial"/>
+            </a:endParaRPr>
+          </a:p>
+          <a:p>
+            <a:pPr marL="2743200" marR="0" lvl="6" indent="0" algn="l" rtl="0">
+              <a:lnSpc>
+                <a:spcPct val="100000"/>
+              </a:lnSpc>
+              <a:spcBef>
+                <a:spcPts val="0"/>
+              </a:spcBef>
+              <a:spcAft>
+                <a:spcPts val="0"/>
+              </a:spcAft>
+              <a:buClr>
+                <a:srgbClr val="000000"/>
+              </a:buClr>
+              <a:buSzPct val="25000"/>
+              <a:buFont typeface="Arial"/>
+              <a:buNone/>
+            </a:pPr>
+            <a:endParaRPr sz="1400" b="0" i="0" u="none" strike="noStrike" cap="none">
+              <a:solidFill>
+                <a:srgbClr val="000000"/>
+              </a:solidFill>
+              <a:latin typeface="Arial"/>
+              <a:ea typeface="Arial"/>
+              <a:cs typeface="Arial"/>
+              <a:sym typeface="Arial"/>
+            </a:endParaRPr>
+          </a:p>
+          <a:p>
+            <a:pPr marL="3200400" marR="0" lvl="7" indent="0" algn="l" rtl="0">
+              <a:lnSpc>
+                <a:spcPct val="100000"/>
+              </a:lnSpc>
+              <a:spcBef>
+                <a:spcPts val="0"/>
+              </a:spcBef>
+              <a:spcAft>
+                <a:spcPts val="0"/>
+              </a:spcAft>
+              <a:buClr>
+                <a:srgbClr val="000000"/>
+              </a:buClr>
+              <a:buSzPct val="25000"/>
+              <a:buFont typeface="Arial"/>
+              <a:buNone/>
+            </a:pPr>
+            <a:endParaRPr sz="1400" b="0" i="0" u="none" strike="noStrike" cap="none">
+              <a:solidFill>
+                <a:srgbClr val="000000"/>
+              </a:solidFill>
+              <a:latin typeface="Arial"/>
+              <a:ea typeface="Arial"/>
+              <a:cs typeface="Arial"/>
+              <a:sym typeface="Arial"/>
+            </a:endParaRPr>
+          </a:p>
+          <a:p>
+            <a:pPr marL="3657600" marR="0" lvl="8" indent="0" algn="l" rtl="0">
+              <a:lnSpc>
+                <a:spcPct val="100000"/>
+              </a:lnSpc>
+              <a:spcBef>
+                <a:spcPts val="0"/>
+              </a:spcBef>
+              <a:spcAft>
+                <a:spcPts val="0"/>
+              </a:spcAft>
+              <a:buClr>
+                <a:srgbClr val="000000"/>
+              </a:buClr>
+              <a:buSzPct val="25000"/>
+              <a:buFont typeface="Arial"/>
+              <a:buNone/>
+            </a:pPr>
+            <a:endParaRPr sz="1400" b="0" i="0" u="none" strike="noStrike" cap="none">
+              <a:solidFill>
+                <a:srgbClr val="000000"/>
+              </a:solidFill>
+              <a:latin typeface="Arial"/>
+              <a:ea typeface="Arial"/>
+              <a:cs typeface="Arial"/>
+              <a:sym typeface="Arial"/>
+            </a:endParaRPr>
+          </a:p>
+        </p:txBody>
+      </p:sp>
+    </p:spTree>
+    <p:extLst>
+      <p:ext uri="{BB962C8B-B14F-4D97-AF65-F5344CB8AC3E}">
+        <p14:creationId xmlns:p14="http://schemas.microsoft.com/office/powerpoint/2010/main" val="551296336"/>
+      </p:ext>
+    </p:extLst>
+  </p:cSld>
+  <p:clrMapOvr>
+    <a:masterClrMapping/>
+  </p:clrMapOvr>
+</p:notes>
+</file>
+
+<file path=ppt/notesSlides/notesSlide9.xml><?xml version="1.0" encoding="utf-8"?>
+<p:notes xmlns:a="http://schemas.openxmlformats.org/drawingml/2006/main" xmlns:r="http://schemas.openxmlformats.org/officeDocument/2006/relationships" xmlns:p="http://schemas.openxmlformats.org/presentationml/2006/main" showMasterSp="0" showMasterPhAnim="0">
+  <p:cSld>
+    <p:spTree>
+      <p:nvGrpSpPr>
+        <p:cNvPr id="1" name="Shape 308"/>
+        <p:cNvGrpSpPr/>
+        <p:nvPr/>
+      </p:nvGrpSpPr>
+      <p:grpSpPr>
+        <a:xfrm>
+          <a:off x="0" y="0"/>
+          <a:ext cx="0" cy="0"/>
+          <a:chOff x="0" y="0"/>
+          <a:chExt cx="0" cy="0"/>
+        </a:xfrm>
+      </p:grpSpPr>
+      <p:sp>
+        <p:nvSpPr>
+          <p:cNvPr id="309" name="Shape 309"/>
+          <p:cNvSpPr>
+            <a:spLocks noGrp="1" noRot="1" noChangeAspect="1"/>
+          </p:cNvSpPr>
+          <p:nvPr>
+            <p:ph type="sldImg" idx="2"/>
+          </p:nvPr>
+        </p:nvSpPr>
+        <p:spPr>
+          <a:xfrm>
+            <a:off x="406400" y="696913"/>
+            <a:ext cx="6196013" cy="3486150"/>
+          </a:xfrm>
+          <a:custGeom>
+            <a:avLst/>
+            <a:gdLst/>
+            <a:ahLst/>
+            <a:cxnLst/>
+            <a:rect l="0" t="0" r="0" b="0"/>
+            <a:pathLst>
+              <a:path w="120000" h="120000" extrusionOk="0">
+                <a:moveTo>
+                  <a:pt x="0" y="0"/>
+                </a:moveTo>
+                <a:lnTo>
+                  <a:pt x="120000" y="0"/>
+                </a:lnTo>
+                <a:lnTo>
+                  <a:pt x="120000" y="120000"/>
+                </a:lnTo>
+                <a:lnTo>
+                  <a:pt x="0" y="120000"/>
+                </a:lnTo>
+                <a:close/>
+              </a:path>
+            </a:pathLst>
+          </a:custGeom>
+          <a:noFill/>
+          <a:ln w="12700" cap="flat" cmpd="sng">
+            <a:solidFill>
+              <a:srgbClr val="000000"/>
+            </a:solidFill>
+            <a:prstDash val="solid"/>
+            <a:round/>
+            <a:headEnd type="none" w="med" len="med"/>
+            <a:tailEnd type="none" w="med" len="med"/>
+          </a:ln>
+        </p:spPr>
+      </p:sp>
+      <p:sp>
+        <p:nvSpPr>
+          <p:cNvPr id="310" name="Shape 310"/>
+          <p:cNvSpPr txBox="1">
+            <a:spLocks noGrp="1"/>
+          </p:cNvSpPr>
+          <p:nvPr>
+            <p:ph type="body" idx="1"/>
+          </p:nvPr>
+        </p:nvSpPr>
+        <p:spPr>
+          <a:xfrm>
+            <a:off x="701039" y="4415789"/>
+            <a:ext cx="5608200" cy="4183500"/>
+          </a:xfrm>
+          <a:prstGeom prst="rect">
+            <a:avLst/>
+          </a:prstGeom>
+          <a:noFill/>
+          <a:ln>
+            <a:noFill/>
+          </a:ln>
+        </p:spPr>
+        <p:txBody>
+          <a:bodyPr lIns="91425" tIns="91425" rIns="91425" bIns="91425" anchor="ctr" anchorCtr="0">
+            <a:noAutofit/>
+          </a:bodyPr>
+          <a:lstStyle/>
+          <a:p>
+            <a:pPr marL="0" marR="0" lvl="0" indent="0" algn="l" rtl="0">
+              <a:spcBef>
+                <a:spcPts val="0"/>
+              </a:spcBef>
+              <a:buClr>
+                <a:schemeClr val="dk1"/>
+              </a:buClr>
+              <a:buSzPct val="25000"/>
+              <a:buFont typeface="Arial"/>
+              <a:buNone/>
+            </a:pPr>
+            <a:r>
+              <a:rPr lang="en-US" sz="1100" b="0" i="0" u="none" strike="noStrike" cap="none" dirty="0" smtClean="0">
+                <a:solidFill>
+                  <a:schemeClr val="dk1"/>
+                </a:solidFill>
+                <a:latin typeface="Roboto"/>
+                <a:ea typeface="Roboto"/>
+                <a:cs typeface="Roboto"/>
+                <a:sym typeface="Roboto"/>
+              </a:rPr>
+              <a:t>https://cloud.spring.io/spring-cloud-netflix/multi/multi_spring-cloud-eureka-server.html#spring-cloud-eureka-server-zones-and-regions</a:t>
+            </a:r>
+            <a:endParaRPr sz="1100" b="0" i="0" u="none" strike="noStrike" cap="none" dirty="0">
+              <a:solidFill>
+                <a:schemeClr val="dk1"/>
+              </a:solidFill>
+              <a:latin typeface="Roboto"/>
+              <a:ea typeface="Roboto"/>
+              <a:cs typeface="Roboto"/>
+              <a:sym typeface="Roboto"/>
+            </a:endParaRPr>
+          </a:p>
+        </p:txBody>
+      </p:sp>
+      <p:sp>
+        <p:nvSpPr>
+          <p:cNvPr id="311" name="Shape 311"/>
+          <p:cNvSpPr txBox="1">
+            <a:spLocks noGrp="1"/>
+          </p:cNvSpPr>
+          <p:nvPr>
+            <p:ph type="sldNum" idx="12"/>
+          </p:nvPr>
+        </p:nvSpPr>
+        <p:spPr>
+          <a:xfrm>
+            <a:off x="3970937" y="8829967"/>
+            <a:ext cx="3037799" cy="464699"/>
+          </a:xfrm>
+          <a:prstGeom prst="rect">
+            <a:avLst/>
+          </a:prstGeom>
+          <a:noFill/>
+          <a:ln>
+            <a:noFill/>
+          </a:ln>
+        </p:spPr>
+        <p:txBody>
+          <a:bodyPr lIns="91425" tIns="91425" rIns="91425" bIns="91425" anchor="b" anchorCtr="0">
+            <a:noAutofit/>
+          </a:bodyPr>
+          <a:lstStyle/>
+          <a:p>
+            <a:pPr marL="0" marR="0" lvl="0" indent="0" algn="l" rtl="0">
+              <a:lnSpc>
+                <a:spcPct val="100000"/>
+              </a:lnSpc>
+              <a:spcBef>
+                <a:spcPts val="0"/>
+              </a:spcBef>
+              <a:spcAft>
+                <a:spcPts val="0"/>
+              </a:spcAft>
+              <a:buClr>
+                <a:srgbClr val="000000"/>
+              </a:buClr>
+              <a:buSzPct val="25000"/>
+              <a:buFont typeface="Arial"/>
+              <a:buNone/>
+            </a:pPr>
+            <a:endParaRPr sz="1400" b="0" i="0" u="none" strike="noStrike" cap="none">
+              <a:solidFill>
+                <a:srgbClr val="000000"/>
+              </a:solidFill>
+              <a:latin typeface="Arial"/>
+              <a:ea typeface="Arial"/>
+              <a:cs typeface="Arial"/>
+              <a:sym typeface="Arial"/>
+            </a:endParaRPr>
+          </a:p>
+          <a:p>
+            <a:pPr marL="457200" marR="0" lvl="1" indent="0" algn="l" rtl="0">
+              <a:lnSpc>
+                <a:spcPct val="100000"/>
+              </a:lnSpc>
+              <a:spcBef>
+                <a:spcPts val="0"/>
+              </a:spcBef>
+              <a:spcAft>
+                <a:spcPts val="0"/>
+              </a:spcAft>
+              <a:buClr>
+                <a:srgbClr val="000000"/>
+              </a:buClr>
+              <a:buSzPct val="25000"/>
+              <a:buFont typeface="Arial"/>
+              <a:buNone/>
+            </a:pPr>
+            <a:endParaRPr sz="1400" b="0" i="0" u="none" strike="noStrike" cap="none">
+              <a:solidFill>
+                <a:srgbClr val="000000"/>
+              </a:solidFill>
+              <a:latin typeface="Arial"/>
+              <a:ea typeface="Arial"/>
+              <a:cs typeface="Arial"/>
+              <a:sym typeface="Arial"/>
+            </a:endParaRPr>
+          </a:p>
+          <a:p>
+            <a:pPr marL="914400" marR="0" lvl="2" indent="0" algn="l" rtl="0">
+              <a:lnSpc>
+                <a:spcPct val="100000"/>
+              </a:lnSpc>
+              <a:spcBef>
+                <a:spcPts val="0"/>
+              </a:spcBef>
+              <a:spcAft>
+                <a:spcPts val="0"/>
+              </a:spcAft>
+              <a:buClr>
+                <a:srgbClr val="000000"/>
+              </a:buClr>
+              <a:buSzPct val="25000"/>
+              <a:buFont typeface="Arial"/>
+              <a:buNone/>
+            </a:pPr>
+            <a:endParaRPr sz="1400" b="0" i="0" u="none" strike="noStrike" cap="none">
+              <a:solidFill>
+                <a:srgbClr val="000000"/>
+              </a:solidFill>
+              <a:latin typeface="Arial"/>
+              <a:ea typeface="Arial"/>
+              <a:cs typeface="Arial"/>
+              <a:sym typeface="Arial"/>
+            </a:endParaRPr>
+          </a:p>
+          <a:p>
+            <a:pPr marL="1371600" marR="0" lvl="3" indent="0" algn="l" rtl="0">
+              <a:lnSpc>
+                <a:spcPct val="100000"/>
+              </a:lnSpc>
+              <a:spcBef>
+                <a:spcPts val="0"/>
+              </a:spcBef>
+              <a:spcAft>
+                <a:spcPts val="0"/>
+              </a:spcAft>
+              <a:buClr>
+                <a:srgbClr val="000000"/>
+              </a:buClr>
+              <a:buSzPct val="25000"/>
+              <a:buFont typeface="Arial"/>
+              <a:buNone/>
+            </a:pPr>
+            <a:endParaRPr sz="1400" b="0" i="0" u="none" strike="noStrike" cap="none">
+              <a:solidFill>
+                <a:srgbClr val="000000"/>
+              </a:solidFill>
+              <a:latin typeface="Arial"/>
+              <a:ea typeface="Arial"/>
+              <a:cs typeface="Arial"/>
+              <a:sym typeface="Arial"/>
+            </a:endParaRPr>
+          </a:p>
+          <a:p>
+            <a:pPr marL="1828800" marR="0" lvl="4" indent="0" algn="l" rtl="0">
+              <a:lnSpc>
+                <a:spcPct val="100000"/>
+              </a:lnSpc>
+              <a:spcBef>
+                <a:spcPts val="0"/>
+              </a:spcBef>
+              <a:spcAft>
+                <a:spcPts val="0"/>
+              </a:spcAft>
+              <a:buClr>
+                <a:srgbClr val="000000"/>
+              </a:buClr>
+              <a:buSzPct val="25000"/>
+              <a:buFont typeface="Arial"/>
+              <a:buNone/>
+            </a:pPr>
+            <a:endParaRPr sz="1400" b="0" i="0" u="none" strike="noStrike" cap="none">
+              <a:solidFill>
+                <a:srgbClr val="000000"/>
+              </a:solidFill>
+              <a:latin typeface="Arial"/>
+              <a:ea typeface="Arial"/>
+              <a:cs typeface="Arial"/>
+              <a:sym typeface="Arial"/>
+            </a:endParaRPr>
+          </a:p>
+          <a:p>
+            <a:pPr marL="2286000" marR="0" lvl="5" indent="0" algn="l" rtl="0">
+              <a:lnSpc>
+                <a:spcPct val="100000"/>
+              </a:lnSpc>
+              <a:spcBef>
+                <a:spcPts val="0"/>
+              </a:spcBef>
+              <a:spcAft>
+                <a:spcPts val="0"/>
+              </a:spcAft>
+              <a:buClr>
+                <a:srgbClr val="000000"/>
+              </a:buClr>
+              <a:buSzPct val="25000"/>
+              <a:buFont typeface="Arial"/>
+              <a:buNone/>
+            </a:pPr>
+            <a:endParaRPr sz="1400" b="0" i="0" u="none" strike="noStrike" cap="none">
+              <a:solidFill>
+                <a:srgbClr val="000000"/>
+              </a:solidFill>
+              <a:latin typeface="Arial"/>
+              <a:ea typeface="Arial"/>
+              <a:cs typeface="Arial"/>
+              <a:sym typeface="Arial"/>
+            </a:endParaRPr>
+          </a:p>
+          <a:p>
+            <a:pPr marL="2743200" marR="0" lvl="6" indent="0" algn="l" rtl="0">
+              <a:lnSpc>
+                <a:spcPct val="100000"/>
+              </a:lnSpc>
+              <a:spcBef>
+                <a:spcPts val="0"/>
+              </a:spcBef>
+              <a:spcAft>
+                <a:spcPts val="0"/>
+              </a:spcAft>
+              <a:buClr>
+                <a:srgbClr val="000000"/>
+              </a:buClr>
+              <a:buSzPct val="25000"/>
+              <a:buFont typeface="Arial"/>
+              <a:buNone/>
+            </a:pPr>
+            <a:endParaRPr sz="1400" b="0" i="0" u="none" strike="noStrike" cap="none">
+              <a:solidFill>
+                <a:srgbClr val="000000"/>
+              </a:solidFill>
+              <a:latin typeface="Arial"/>
+              <a:ea typeface="Arial"/>
+              <a:cs typeface="Arial"/>
+              <a:sym typeface="Arial"/>
+            </a:endParaRPr>
+          </a:p>
+          <a:p>
+            <a:pPr marL="3200400" marR="0" lvl="7" indent="0" algn="l" rtl="0">
+              <a:lnSpc>
+                <a:spcPct val="100000"/>
+              </a:lnSpc>
+              <a:spcBef>
+                <a:spcPts val="0"/>
+              </a:spcBef>
+              <a:spcAft>
+                <a:spcPts val="0"/>
+              </a:spcAft>
+              <a:buClr>
+                <a:srgbClr val="000000"/>
+              </a:buClr>
+              <a:buSzPct val="25000"/>
+              <a:buFont typeface="Arial"/>
+              <a:buNone/>
+            </a:pPr>
+            <a:endParaRPr sz="1400" b="0" i="0" u="none" strike="noStrike" cap="none">
+              <a:solidFill>
+                <a:srgbClr val="000000"/>
+              </a:solidFill>
+              <a:latin typeface="Arial"/>
+              <a:ea typeface="Arial"/>
+              <a:cs typeface="Arial"/>
+              <a:sym typeface="Arial"/>
+            </a:endParaRPr>
+          </a:p>
+          <a:p>
+            <a:pPr marL="3657600" marR="0" lvl="8" indent="0" algn="l" rtl="0">
+              <a:lnSpc>
+                <a:spcPct val="100000"/>
+              </a:lnSpc>
+              <a:spcBef>
+                <a:spcPts val="0"/>
+              </a:spcBef>
+              <a:spcAft>
+                <a:spcPts val="0"/>
+              </a:spcAft>
+              <a:buClr>
+                <a:srgbClr val="000000"/>
+              </a:buClr>
+              <a:buSzPct val="25000"/>
+              <a:buFont typeface="Arial"/>
+              <a:buNone/>
+            </a:pPr>
+            <a:endParaRPr sz="1400" b="0" i="0" u="none" strike="noStrike" cap="none">
+              <a:solidFill>
+                <a:srgbClr val="000000"/>
+              </a:solidFill>
+              <a:latin typeface="Arial"/>
+              <a:ea typeface="Arial"/>
+              <a:cs typeface="Arial"/>
+              <a:sym typeface="Arial"/>
+            </a:endParaRPr>
+          </a:p>
+        </p:txBody>
+      </p:sp>
+    </p:spTree>
+    <p:extLst>
+      <p:ext uri="{BB962C8B-B14F-4D97-AF65-F5344CB8AC3E}">
+        <p14:creationId xmlns:p14="http://schemas.microsoft.com/office/powerpoint/2010/main" val="1093494373"/>
       </p:ext>
     </p:extLst>
   </p:cSld>
@@ -7788,6 +9072,300 @@
 </p:sld>
 </file>
 
+<file path=ppt/slides/slide10.xml><?xml version="1.0" encoding="utf-8"?>
+<p:sld xmlns:a="http://schemas.openxmlformats.org/drawingml/2006/main" xmlns:r="http://schemas.openxmlformats.org/officeDocument/2006/relationships" xmlns:p="http://schemas.openxmlformats.org/presentationml/2006/main">
+  <p:cSld>
+    <p:spTree>
+      <p:nvGrpSpPr>
+        <p:cNvPr id="1" name="Shape 312"/>
+        <p:cNvGrpSpPr/>
+        <p:nvPr/>
+      </p:nvGrpSpPr>
+      <p:grpSpPr>
+        <a:xfrm>
+          <a:off x="0" y="0"/>
+          <a:ext cx="0" cy="0"/>
+          <a:chOff x="0" y="0"/>
+          <a:chExt cx="0" cy="0"/>
+        </a:xfrm>
+      </p:grpSpPr>
+      <p:sp>
+        <p:nvSpPr>
+          <p:cNvPr id="386" name="Shape 386"/>
+          <p:cNvSpPr txBox="1">
+            <a:spLocks noGrp="1"/>
+          </p:cNvSpPr>
+          <p:nvPr>
+            <p:ph type="subTitle" idx="4294967295"/>
+          </p:nvPr>
+        </p:nvSpPr>
+        <p:spPr>
+          <a:xfrm>
+            <a:off x="178500" y="0"/>
+            <a:ext cx="11759600" cy="708400"/>
+          </a:xfrm>
+          <a:prstGeom prst="rect">
+            <a:avLst/>
+          </a:prstGeom>
+          <a:noFill/>
+          <a:ln>
+            <a:noFill/>
+          </a:ln>
+        </p:spPr>
+        <p:txBody>
+          <a:bodyPr vert="horz" lIns="121900" tIns="121900" rIns="121900" bIns="121900" rtlCol="0" anchor="b" anchorCtr="0">
+            <a:noAutofit/>
+          </a:bodyPr>
+          <a:lstStyle/>
+          <a:p>
+            <a:pPr marL="0" indent="0">
+              <a:lnSpc>
+                <a:spcPct val="115000"/>
+              </a:lnSpc>
+              <a:spcBef>
+                <a:spcPts val="0"/>
+              </a:spcBef>
+              <a:buClr>
+                <a:srgbClr val="75787A"/>
+              </a:buClr>
+              <a:buSzPct val="25000"/>
+              <a:buNone/>
+            </a:pPr>
+            <a:r>
+              <a:rPr lang="zh-CN" altLang="en-US" sz="1800" dirty="0" smtClean="0">
+                <a:solidFill>
+                  <a:srgbClr val="75787B"/>
+                </a:solidFill>
+                <a:latin typeface="Open Sans"/>
+                <a:ea typeface="Open Sans"/>
+                <a:cs typeface="Open Sans"/>
+                <a:sym typeface="Open Sans"/>
+              </a:rPr>
+              <a:t>关于</a:t>
+            </a:r>
+            <a:r>
+              <a:rPr lang="en-US" altLang="zh-CN" sz="1800" dirty="0" smtClean="0">
+                <a:solidFill>
+                  <a:srgbClr val="75787B"/>
+                </a:solidFill>
+                <a:latin typeface="Open Sans"/>
+                <a:ea typeface="Open Sans"/>
+                <a:cs typeface="Open Sans"/>
+                <a:sym typeface="Open Sans"/>
+              </a:rPr>
+              <a:t>Eureka </a:t>
+            </a:r>
+            <a:r>
+              <a:rPr lang="zh-CN" altLang="en-US" sz="1800" dirty="0" smtClean="0">
+                <a:solidFill>
+                  <a:srgbClr val="75787B"/>
+                </a:solidFill>
+                <a:latin typeface="Open Sans"/>
+                <a:ea typeface="Open Sans"/>
+                <a:cs typeface="Open Sans"/>
+                <a:sym typeface="Open Sans"/>
+              </a:rPr>
+              <a:t>集群以及自我保护模式的问题</a:t>
+            </a:r>
+            <a:endParaRPr lang="en-US" altLang="zh-CN" sz="1800" dirty="0">
+              <a:solidFill>
+                <a:srgbClr val="75787B"/>
+              </a:solidFill>
+              <a:latin typeface="Open Sans"/>
+              <a:ea typeface="Open Sans"/>
+              <a:cs typeface="Open Sans"/>
+              <a:sym typeface="Open Sans"/>
+            </a:endParaRPr>
+          </a:p>
+        </p:txBody>
+      </p:sp>
+      <p:sp>
+        <p:nvSpPr>
+          <p:cNvPr id="4" name="文本框 3"/>
+          <p:cNvSpPr txBox="1"/>
+          <p:nvPr/>
+        </p:nvSpPr>
+        <p:spPr>
+          <a:xfrm>
+            <a:off x="297396" y="951914"/>
+            <a:ext cx="11449318" cy="1938992"/>
+          </a:xfrm>
+          <a:prstGeom prst="rect">
+            <a:avLst/>
+          </a:prstGeom>
+          <a:noFill/>
+        </p:spPr>
+        <p:txBody>
+          <a:bodyPr wrap="square" rtlCol="0">
+            <a:spAutoFit/>
+          </a:bodyPr>
+          <a:lstStyle/>
+          <a:p>
+            <a:pPr>
+              <a:lnSpc>
+                <a:spcPct val="150000"/>
+              </a:lnSpc>
+            </a:pPr>
+            <a:r>
+              <a:rPr lang="en-US" altLang="zh-CN" sz="1600" dirty="0" smtClean="0">
+                <a:solidFill>
+                  <a:schemeClr val="dk1"/>
+                </a:solidFill>
+                <a:latin typeface="Roboto"/>
+                <a:ea typeface="Roboto"/>
+                <a:cs typeface="Roboto"/>
+                <a:sym typeface="Roboto"/>
+              </a:rPr>
+              <a:t>Eureka</a:t>
+            </a:r>
+            <a:r>
+              <a:rPr lang="zh-CN" altLang="en-US" sz="1600" dirty="0" smtClean="0">
+                <a:solidFill>
+                  <a:schemeClr val="dk1"/>
+                </a:solidFill>
+                <a:latin typeface="Roboto"/>
+                <a:ea typeface="Roboto"/>
+                <a:cs typeface="Roboto"/>
+                <a:sym typeface="Roboto"/>
+              </a:rPr>
+              <a:t>的自我保护模式会导致</a:t>
+            </a:r>
+            <a:r>
+              <a:rPr lang="en-US" altLang="zh-CN" sz="1600" dirty="0" smtClean="0">
+                <a:solidFill>
+                  <a:schemeClr val="dk1"/>
+                </a:solidFill>
+                <a:latin typeface="Roboto"/>
+                <a:ea typeface="Roboto"/>
+                <a:cs typeface="Roboto"/>
+                <a:sym typeface="Roboto"/>
+              </a:rPr>
+              <a:t>Eureka Client</a:t>
+            </a:r>
+            <a:r>
+              <a:rPr lang="zh-CN" altLang="en-US" sz="1600" dirty="0" smtClean="0">
+                <a:solidFill>
+                  <a:schemeClr val="dk1"/>
+                </a:solidFill>
+                <a:latin typeface="Roboto"/>
+                <a:ea typeface="Roboto"/>
+                <a:cs typeface="Roboto"/>
+                <a:sym typeface="Roboto"/>
+              </a:rPr>
+              <a:t>获取到已经不存在的</a:t>
+            </a:r>
+            <a:r>
+              <a:rPr lang="en-US" altLang="zh-CN" sz="1600" dirty="0" smtClean="0">
+                <a:solidFill>
+                  <a:schemeClr val="dk1"/>
+                </a:solidFill>
+                <a:latin typeface="Roboto"/>
+                <a:ea typeface="Roboto"/>
+                <a:cs typeface="Roboto"/>
+                <a:sym typeface="Roboto"/>
+              </a:rPr>
+              <a:t>Instance</a:t>
+            </a:r>
+            <a:r>
+              <a:rPr lang="zh-CN" altLang="en-US" sz="1600" dirty="0" smtClean="0">
+                <a:solidFill>
+                  <a:schemeClr val="dk1"/>
+                </a:solidFill>
+                <a:latin typeface="Roboto"/>
+                <a:ea typeface="Roboto"/>
+                <a:cs typeface="Roboto"/>
+                <a:sym typeface="Roboto"/>
+              </a:rPr>
+              <a:t>。 </a:t>
+            </a:r>
+            <a:endParaRPr lang="en-US" altLang="zh-CN" sz="1600" dirty="0" smtClean="0">
+              <a:solidFill>
+                <a:schemeClr val="dk1"/>
+              </a:solidFill>
+              <a:latin typeface="Roboto"/>
+              <a:ea typeface="Roboto"/>
+              <a:cs typeface="Roboto"/>
+              <a:sym typeface="Roboto"/>
+            </a:endParaRPr>
+          </a:p>
+          <a:p>
+            <a:pPr>
+              <a:lnSpc>
+                <a:spcPct val="150000"/>
+              </a:lnSpc>
+            </a:pPr>
+            <a:endParaRPr lang="en-US" altLang="zh-CN" sz="1600" dirty="0" smtClean="0">
+              <a:solidFill>
+                <a:schemeClr val="dk1"/>
+              </a:solidFill>
+              <a:latin typeface="Roboto"/>
+              <a:ea typeface="Roboto"/>
+              <a:cs typeface="Roboto"/>
+              <a:sym typeface="Roboto"/>
+            </a:endParaRPr>
+          </a:p>
+          <a:p>
+            <a:pPr>
+              <a:lnSpc>
+                <a:spcPct val="150000"/>
+              </a:lnSpc>
+            </a:pPr>
+            <a:endParaRPr lang="en-US" altLang="zh-CN" sz="1600" dirty="0" smtClean="0">
+              <a:solidFill>
+                <a:schemeClr val="dk1"/>
+              </a:solidFill>
+              <a:latin typeface="Roboto"/>
+              <a:ea typeface="Roboto"/>
+              <a:cs typeface="Roboto"/>
+              <a:sym typeface="Roboto"/>
+            </a:endParaRPr>
+          </a:p>
+          <a:p>
+            <a:pPr>
+              <a:lnSpc>
+                <a:spcPct val="150000"/>
+              </a:lnSpc>
+            </a:pPr>
+            <a:endParaRPr lang="en-US" altLang="zh-CN" sz="1600" dirty="0" smtClean="0">
+              <a:solidFill>
+                <a:schemeClr val="dk1"/>
+              </a:solidFill>
+              <a:latin typeface="Roboto"/>
+              <a:ea typeface="Roboto"/>
+              <a:cs typeface="Roboto"/>
+              <a:sym typeface="Roboto"/>
+            </a:endParaRPr>
+          </a:p>
+          <a:p>
+            <a:pPr>
+              <a:lnSpc>
+                <a:spcPct val="150000"/>
+              </a:lnSpc>
+            </a:pPr>
+            <a:endParaRPr lang="zh-CN" altLang="en-US" sz="1600" dirty="0"/>
+          </a:p>
+        </p:txBody>
+      </p:sp>
+    </p:spTree>
+    <p:extLst>
+      <p:ext uri="{BB962C8B-B14F-4D97-AF65-F5344CB8AC3E}">
+        <p14:creationId xmlns:p14="http://schemas.microsoft.com/office/powerpoint/2010/main" val="1321425108"/>
+      </p:ext>
+    </p:extLst>
+  </p:cSld>
+  <p:clrMapOvr>
+    <a:masterClrMapping/>
+  </p:clrMapOvr>
+  <p:timing>
+    <p:tnLst>
+      <p:par>
+        <p:cTn id="1" dur="indefinite" restart="never" nodeType="tmRoot"/>
+      </p:par>
+    </p:tnLst>
+  </p:timing>
+</p:sld>
+</file>
+
 <file path=ppt/slides/slide2.xml><?xml version="1.0" encoding="utf-8"?>
 <p:sld xmlns:a="http://schemas.openxmlformats.org/drawingml/2006/main" xmlns:r="http://schemas.openxmlformats.org/officeDocument/2006/relationships" xmlns:p="http://schemas.openxmlformats.org/presentationml/2006/main">
   <p:cSld>
@@ -9438,7 +11016,7 @@
         <p:spPr>
           <a:xfrm>
             <a:off x="488187" y="1220360"/>
-            <a:ext cx="5217903" cy="1200329"/>
+            <a:ext cx="7077387" cy="830997"/>
           </a:xfrm>
           <a:prstGeom prst="rect">
             <a:avLst/>
@@ -9493,7 +11071,51 @@
                 <a:ea typeface="Open Sans"/>
                 <a:cs typeface="Open Sans"/>
               </a:rPr>
-              <a:t>Eureka Instance -  </a:t>
+              <a:t>Eureka </a:t>
+            </a:r>
+            <a:r>
+              <a:rPr lang="en-US" altLang="zh-CN" sz="1600" dirty="0" smtClean="0">
+                <a:solidFill>
+                  <a:srgbClr val="75787B"/>
+                </a:solidFill>
+                <a:latin typeface="Open Sans"/>
+                <a:ea typeface="Open Sans"/>
+                <a:cs typeface="Open Sans"/>
+              </a:rPr>
+              <a:t>Instance </a:t>
+            </a:r>
+            <a:r>
+              <a:rPr lang="en-US" altLang="zh-CN" sz="1600" dirty="0" smtClean="0">
+                <a:solidFill>
+                  <a:srgbClr val="75787B"/>
+                </a:solidFill>
+                <a:latin typeface="Open Sans"/>
+                <a:ea typeface="Open Sans"/>
+                <a:cs typeface="Open Sans"/>
+              </a:rPr>
+              <a:t>/ </a:t>
+            </a:r>
+            <a:r>
+              <a:rPr lang="en-US" altLang="zh-CN" sz="1600" dirty="0">
+                <a:solidFill>
+                  <a:srgbClr val="75787B"/>
+                </a:solidFill>
+                <a:latin typeface="Open Sans"/>
+                <a:ea typeface="Open Sans"/>
+                <a:cs typeface="Open Sans"/>
+              </a:rPr>
+              <a:t>Client </a:t>
+            </a:r>
+            <a:r>
+              <a:rPr lang="en-US" altLang="zh-CN" sz="1600" dirty="0">
+                <a:solidFill>
+                  <a:srgbClr val="75787B"/>
+                </a:solidFill>
+                <a:latin typeface="Open Sans"/>
+                <a:ea typeface="Open Sans"/>
+                <a:cs typeface="Open Sans"/>
+              </a:rPr>
+              <a:t>-  </a:t>
             </a:r>
             <a:r>
               <a:rPr lang="zh-CN" altLang="en-US" sz="1600" dirty="0">
@@ -9526,9 +11148,42 @@
                 <a:ea typeface="Open Sans"/>
                 <a:cs typeface="Open Sans"/>
               </a:rPr>
-              <a:t>上的微服务</a:t>
-            </a:r>
-            <a:endParaRPr lang="en-US" altLang="zh-CN" sz="1600" dirty="0">
+              <a:t>上的微</a:t>
+            </a:r>
+            <a:r>
+              <a:rPr lang="zh-CN" altLang="en-US" sz="1600" dirty="0" smtClean="0">
+                <a:solidFill>
+                  <a:srgbClr val="75787B"/>
+                </a:solidFill>
+                <a:latin typeface="Open Sans"/>
+                <a:ea typeface="Open Sans"/>
+                <a:cs typeface="Open Sans"/>
+              </a:rPr>
+              <a:t>服务 </a:t>
+            </a:r>
+            <a:r>
+              <a:rPr lang="en-US" altLang="zh-CN" sz="1600" dirty="0">
+                <a:solidFill>
+                  <a:srgbClr val="75787B"/>
+                </a:solidFill>
+                <a:latin typeface="Open Sans"/>
+                <a:ea typeface="Open Sans"/>
+                <a:cs typeface="Open Sans"/>
+              </a:rPr>
+              <a:t> </a:t>
+            </a:r>
+            <a:r>
+              <a:rPr lang="zh-CN" altLang="en-US" sz="1600" dirty="0" smtClean="0">
+                <a:solidFill>
+                  <a:srgbClr val="75787B"/>
+                </a:solidFill>
+                <a:latin typeface="Open Sans"/>
+                <a:ea typeface="Open Sans"/>
+                <a:cs typeface="Open Sans"/>
+              </a:rPr>
+              <a:t>或者消费者</a:t>
+            </a:r>
+            <a:endParaRPr lang="zh-CN" altLang="en-US" sz="1600" dirty="0">
               <a:solidFill>
                 <a:srgbClr val="75787B"/>
               </a:solidFill>
@@ -9536,37 +11191,6 @@
               <a:ea typeface="Open Sans"/>
               <a:cs typeface="Open Sans"/>
             </a:endParaRPr>
-          </a:p>
-          <a:p>
-            <a:pPr marL="285750" indent="-285750">
-              <a:lnSpc>
-                <a:spcPct val="150000"/>
-              </a:lnSpc>
-              <a:buFont typeface="Arial" panose="020B0604020202020204" pitchFamily="34" charset="0"/>
-              <a:buChar char="•"/>
-            </a:pPr>
-            <a:r>
-              <a:rPr lang="en-US" altLang="zh-CN" sz="1600" dirty="0">
-                <a:solidFill>
-                  <a:srgbClr val="75787B"/>
-                </a:solidFill>
-                <a:latin typeface="Open Sans"/>
-                <a:ea typeface="Open Sans"/>
-                <a:cs typeface="Open Sans"/>
-              </a:rPr>
-              <a:t>Eureka Client – </a:t>
-            </a:r>
-            <a:r>
-              <a:rPr lang="zh-CN" altLang="en-US" sz="1600" dirty="0">
-                <a:solidFill>
-                  <a:srgbClr val="75787B"/>
-                </a:solidFill>
-                <a:latin typeface="Open Sans"/>
-                <a:ea typeface="Open Sans"/>
-                <a:cs typeface="Open Sans"/>
-              </a:rPr>
-              <a:t>注册的服务的消费方</a:t>
-            </a:r>
           </a:p>
         </p:txBody>
       </p:sp>
@@ -11122,6 +12746,1360 @@
     <p:extLst>
       <p:ext uri="{BB962C8B-B14F-4D97-AF65-F5344CB8AC3E}">
         <p14:creationId xmlns:p14="http://schemas.microsoft.com/office/powerpoint/2010/main" val="2513502682"/>
+      </p:ext>
+    </p:extLst>
+  </p:cSld>
+  <p:clrMapOvr>
+    <a:masterClrMapping/>
+  </p:clrMapOvr>
+  <p:timing>
+    <p:tnLst>
+      <p:par>
+        <p:cTn id="1" dur="indefinite" restart="never" nodeType="tmRoot"/>
+      </p:par>
+    </p:tnLst>
+  </p:timing>
+</p:sld>
+</file>
+
+<file path=ppt/slides/slide8.xml><?xml version="1.0" encoding="utf-8"?>
+<p:sld xmlns:a="http://schemas.openxmlformats.org/drawingml/2006/main" xmlns:r="http://schemas.openxmlformats.org/officeDocument/2006/relationships" xmlns:p="http://schemas.openxmlformats.org/presentationml/2006/main">
+  <p:cSld>
+    <p:spTree>
+      <p:nvGrpSpPr>
+        <p:cNvPr id="1" name="Shape 312"/>
+        <p:cNvGrpSpPr/>
+        <p:nvPr/>
+      </p:nvGrpSpPr>
+      <p:grpSpPr>
+        <a:xfrm>
+          <a:off x="0" y="0"/>
+          <a:ext cx="0" cy="0"/>
+          <a:chOff x="0" y="0"/>
+          <a:chExt cx="0" cy="0"/>
+        </a:xfrm>
+      </p:grpSpPr>
+      <p:sp>
+        <p:nvSpPr>
+          <p:cNvPr id="386" name="Shape 386"/>
+          <p:cNvSpPr txBox="1">
+            <a:spLocks noGrp="1"/>
+          </p:cNvSpPr>
+          <p:nvPr>
+            <p:ph type="subTitle" idx="4294967295"/>
+          </p:nvPr>
+        </p:nvSpPr>
+        <p:spPr>
+          <a:xfrm>
+            <a:off x="178500" y="0"/>
+            <a:ext cx="11759600" cy="708400"/>
+          </a:xfrm>
+          <a:prstGeom prst="rect">
+            <a:avLst/>
+          </a:prstGeom>
+          <a:noFill/>
+          <a:ln>
+            <a:noFill/>
+          </a:ln>
+        </p:spPr>
+        <p:txBody>
+          <a:bodyPr vert="horz" lIns="121900" tIns="121900" rIns="121900" bIns="121900" rtlCol="0" anchor="b" anchorCtr="0">
+            <a:noAutofit/>
+          </a:bodyPr>
+          <a:lstStyle/>
+          <a:p>
+            <a:pPr marL="0" indent="0">
+              <a:lnSpc>
+                <a:spcPct val="115000"/>
+              </a:lnSpc>
+              <a:spcBef>
+                <a:spcPts val="0"/>
+              </a:spcBef>
+              <a:buClr>
+                <a:srgbClr val="75787A"/>
+              </a:buClr>
+              <a:buSzPct val="25000"/>
+              <a:buNone/>
+            </a:pPr>
+            <a:r>
+              <a:rPr lang="zh-CN" altLang="en-US" sz="1800" dirty="0" smtClean="0">
+                <a:solidFill>
+                  <a:srgbClr val="75787B"/>
+                </a:solidFill>
+                <a:latin typeface="Open Sans"/>
+                <a:ea typeface="Open Sans"/>
+                <a:cs typeface="Open Sans"/>
+                <a:sym typeface="Open Sans"/>
+              </a:rPr>
+              <a:t>规范</a:t>
+            </a:r>
+            <a:endParaRPr lang="en-US" altLang="zh-CN" sz="1800" dirty="0">
+              <a:solidFill>
+                <a:srgbClr val="75787B"/>
+              </a:solidFill>
+              <a:latin typeface="Open Sans"/>
+              <a:ea typeface="Open Sans"/>
+              <a:cs typeface="Open Sans"/>
+              <a:sym typeface="Open Sans"/>
+            </a:endParaRPr>
+          </a:p>
+        </p:txBody>
+      </p:sp>
+      <p:sp>
+        <p:nvSpPr>
+          <p:cNvPr id="4" name="文本框 3"/>
+          <p:cNvSpPr txBox="1"/>
+          <p:nvPr/>
+        </p:nvSpPr>
+        <p:spPr>
+          <a:xfrm>
+            <a:off x="297396" y="951914"/>
+            <a:ext cx="11449318" cy="4154984"/>
+          </a:xfrm>
+          <a:prstGeom prst="rect">
+            <a:avLst/>
+          </a:prstGeom>
+          <a:noFill/>
+        </p:spPr>
+        <p:txBody>
+          <a:bodyPr wrap="square" rtlCol="0">
+            <a:spAutoFit/>
+          </a:bodyPr>
+          <a:lstStyle/>
+          <a:p>
+            <a:pPr>
+              <a:lnSpc>
+                <a:spcPct val="150000"/>
+              </a:lnSpc>
+            </a:pPr>
+            <a:r>
+              <a:rPr lang="en-US" altLang="zh-CN" sz="1600" dirty="0" smtClean="0">
+                <a:solidFill>
+                  <a:srgbClr val="75787B"/>
+                </a:solidFill>
+                <a:latin typeface="Open Sans"/>
+                <a:ea typeface="Open Sans"/>
+                <a:cs typeface="Open Sans"/>
+                <a:sym typeface="Open Sans"/>
+              </a:rPr>
+              <a:t>Eureka Server </a:t>
+            </a:r>
+            <a:r>
+              <a:rPr lang="zh-CN" altLang="en-US" sz="1600" dirty="0" smtClean="0">
+                <a:solidFill>
+                  <a:srgbClr val="75787B"/>
+                </a:solidFill>
+                <a:latin typeface="Open Sans"/>
+                <a:ea typeface="Open Sans"/>
+                <a:cs typeface="Open Sans"/>
+                <a:sym typeface="Open Sans"/>
+              </a:rPr>
+              <a:t>规范</a:t>
+            </a:r>
+            <a:endParaRPr lang="en-US" altLang="zh-CN" sz="1600" dirty="0">
+              <a:solidFill>
+                <a:srgbClr val="75787B"/>
+              </a:solidFill>
+              <a:latin typeface="Open Sans"/>
+              <a:cs typeface="Open Sans"/>
+              <a:sym typeface="Open Sans"/>
+            </a:endParaRPr>
+          </a:p>
+          <a:p>
+            <a:pPr marL="342900" indent="-342900">
+              <a:lnSpc>
+                <a:spcPct val="150000"/>
+              </a:lnSpc>
+              <a:buFont typeface="+mj-lt"/>
+              <a:buAutoNum type="arabicPeriod"/>
+            </a:pPr>
+            <a:r>
+              <a:rPr lang="zh-CN" altLang="en-US" sz="1600" dirty="0" smtClean="0">
+                <a:solidFill>
+                  <a:srgbClr val="75787B"/>
+                </a:solidFill>
+                <a:latin typeface="Open Sans"/>
+                <a:ea typeface="Open Sans"/>
+                <a:cs typeface="Open Sans"/>
+                <a:sym typeface="Open Sans"/>
+              </a:rPr>
+              <a:t>使用</a:t>
+            </a:r>
+            <a:r>
+              <a:rPr lang="en-US" altLang="zh-CN" sz="1600" dirty="0" smtClean="0">
+                <a:solidFill>
+                  <a:srgbClr val="75787B"/>
+                </a:solidFill>
+                <a:latin typeface="Open Sans"/>
+                <a:ea typeface="Open Sans"/>
+                <a:cs typeface="Open Sans"/>
+                <a:sym typeface="Open Sans"/>
+              </a:rPr>
+              <a:t>Standalone</a:t>
+            </a:r>
+            <a:r>
+              <a:rPr lang="zh-CN" altLang="en-US" sz="1600" dirty="0" smtClean="0">
+                <a:solidFill>
+                  <a:srgbClr val="75787B"/>
+                </a:solidFill>
+                <a:latin typeface="Open Sans"/>
+                <a:ea typeface="Open Sans"/>
+                <a:cs typeface="Open Sans"/>
+                <a:sym typeface="Open Sans"/>
+              </a:rPr>
+              <a:t>模式</a:t>
+            </a:r>
+            <a:endParaRPr lang="en-US" altLang="zh-CN" sz="1600" dirty="0">
+              <a:solidFill>
+                <a:srgbClr val="75787B"/>
+              </a:solidFill>
+              <a:latin typeface="Open Sans"/>
+              <a:ea typeface="Open Sans"/>
+              <a:cs typeface="Open Sans"/>
+              <a:sym typeface="Open Sans"/>
+            </a:endParaRPr>
+          </a:p>
+          <a:p>
+            <a:pPr marL="342900" indent="-342900">
+              <a:lnSpc>
+                <a:spcPct val="150000"/>
+              </a:lnSpc>
+              <a:buFont typeface="+mj-lt"/>
+              <a:buAutoNum type="arabicPeriod"/>
+            </a:pPr>
+            <a:r>
+              <a:rPr lang="zh-CN" altLang="en-US" sz="1600" dirty="0" smtClean="0">
+                <a:solidFill>
+                  <a:srgbClr val="75787B"/>
+                </a:solidFill>
+                <a:latin typeface="Open Sans"/>
+                <a:cs typeface="Open Sans"/>
+                <a:sym typeface="Open Sans"/>
+              </a:rPr>
+              <a:t>关闭客户端行为，即：关闭自注册行为： </a:t>
+            </a:r>
+            <a:r>
+              <a:rPr lang="en-US" altLang="zh-CN" sz="1400" i="1" dirty="0" err="1" smtClean="0">
+                <a:solidFill>
+                  <a:srgbClr val="75787B"/>
+                </a:solidFill>
+                <a:latin typeface="Open Sans"/>
+                <a:cs typeface="Open Sans"/>
+                <a:sym typeface="Open Sans"/>
+              </a:rPr>
+              <a:t>eureka.client.registerWithEureka</a:t>
+            </a:r>
+            <a:r>
+              <a:rPr lang="en-US" altLang="zh-CN" sz="1400" i="1" dirty="0" smtClean="0">
+                <a:solidFill>
+                  <a:srgbClr val="75787B"/>
+                </a:solidFill>
+                <a:latin typeface="Open Sans"/>
+                <a:cs typeface="Open Sans"/>
+                <a:sym typeface="Open Sans"/>
+              </a:rPr>
+              <a:t>=false  </a:t>
+            </a:r>
+            <a:r>
+              <a:rPr lang="en-US" altLang="zh-CN" sz="1400" i="1" dirty="0" err="1" smtClean="0">
+                <a:solidFill>
+                  <a:srgbClr val="75787B"/>
+                </a:solidFill>
+                <a:latin typeface="Open Sans"/>
+                <a:cs typeface="Open Sans"/>
+                <a:sym typeface="Open Sans"/>
+              </a:rPr>
+              <a:t>eureka.client.fetchRegistry</a:t>
+            </a:r>
+            <a:r>
+              <a:rPr lang="en-US" altLang="zh-CN" sz="1400" i="1" dirty="0" smtClean="0">
+                <a:solidFill>
+                  <a:srgbClr val="75787B"/>
+                </a:solidFill>
+                <a:latin typeface="Open Sans"/>
+                <a:cs typeface="Open Sans"/>
+                <a:sym typeface="Open Sans"/>
+              </a:rPr>
+              <a:t>=false</a:t>
+            </a:r>
+            <a:endParaRPr lang="en-US" altLang="zh-CN" sz="1400" i="1" dirty="0">
+              <a:solidFill>
+                <a:srgbClr val="75787B"/>
+              </a:solidFill>
+              <a:latin typeface="Open Sans"/>
+              <a:cs typeface="Open Sans"/>
+              <a:sym typeface="Open Sans"/>
+            </a:endParaRPr>
+          </a:p>
+          <a:p>
+            <a:pPr marL="342900" indent="-342900">
+              <a:lnSpc>
+                <a:spcPct val="150000"/>
+              </a:lnSpc>
+              <a:buFont typeface="+mj-lt"/>
+              <a:buAutoNum type="arabicPeriod"/>
+            </a:pPr>
+            <a:r>
+              <a:rPr lang="zh-CN" altLang="en-US" sz="1600" dirty="0" smtClean="0">
+                <a:solidFill>
+                  <a:srgbClr val="75787B"/>
+                </a:solidFill>
+                <a:latin typeface="Open Sans"/>
+                <a:ea typeface="Open Sans"/>
+                <a:cs typeface="Open Sans"/>
+                <a:sym typeface="Open Sans"/>
+              </a:rPr>
+              <a:t>根据服务的多少合理设置</a:t>
+            </a:r>
+            <a:r>
+              <a:rPr lang="en-US" altLang="zh-CN" sz="1600" dirty="0" err="1" smtClean="0">
+                <a:solidFill>
+                  <a:srgbClr val="75787B"/>
+                </a:solidFill>
+                <a:latin typeface="Open Sans"/>
+                <a:ea typeface="Open Sans"/>
+                <a:cs typeface="Open Sans"/>
+                <a:sym typeface="Open Sans"/>
+              </a:rPr>
+              <a:t>renewalPercentThreshold</a:t>
+            </a:r>
+            <a:r>
+              <a:rPr lang="en-US" altLang="zh-CN" sz="1600" dirty="0" smtClean="0">
+                <a:solidFill>
+                  <a:srgbClr val="75787B"/>
+                </a:solidFill>
+                <a:latin typeface="Open Sans"/>
+                <a:ea typeface="Open Sans"/>
+                <a:cs typeface="Open Sans"/>
+                <a:sym typeface="Open Sans"/>
+              </a:rPr>
+              <a:t> </a:t>
+            </a:r>
+            <a:r>
+              <a:rPr lang="zh-CN" altLang="en-US" sz="1600" dirty="0" smtClean="0">
+                <a:solidFill>
+                  <a:srgbClr val="75787B"/>
+                </a:solidFill>
+                <a:latin typeface="Open Sans"/>
+                <a:ea typeface="Open Sans"/>
+                <a:cs typeface="Open Sans"/>
+                <a:sym typeface="Open Sans"/>
+              </a:rPr>
+              <a:t>（这里面存在一个问题：微服务的特性可能导致不同服务的示例有很大的却别，但是这个设置是针对所有的示例的）</a:t>
+            </a:r>
+            <a:endParaRPr lang="en-US" altLang="zh-CN" sz="1600" dirty="0" smtClean="0">
+              <a:solidFill>
+                <a:srgbClr val="75787B"/>
+              </a:solidFill>
+              <a:latin typeface="Open Sans"/>
+              <a:ea typeface="Open Sans"/>
+              <a:cs typeface="Open Sans"/>
+              <a:sym typeface="Open Sans"/>
+            </a:endParaRPr>
+          </a:p>
+          <a:p>
+            <a:pPr>
+              <a:lnSpc>
+                <a:spcPct val="150000"/>
+              </a:lnSpc>
+            </a:pPr>
+            <a:endParaRPr lang="en-US" altLang="zh-CN" sz="1600" dirty="0" smtClean="0">
+              <a:solidFill>
+                <a:srgbClr val="75787B"/>
+              </a:solidFill>
+              <a:latin typeface="Open Sans"/>
+              <a:ea typeface="Open Sans"/>
+              <a:cs typeface="Open Sans"/>
+              <a:sym typeface="Open Sans"/>
+            </a:endParaRPr>
+          </a:p>
+          <a:p>
+            <a:pPr>
+              <a:lnSpc>
+                <a:spcPct val="150000"/>
+              </a:lnSpc>
+            </a:pPr>
+            <a:r>
+              <a:rPr lang="en-US" altLang="zh-CN" sz="1600" dirty="0" smtClean="0">
+                <a:solidFill>
+                  <a:srgbClr val="75787B"/>
+                </a:solidFill>
+                <a:latin typeface="Open Sans"/>
+                <a:ea typeface="Open Sans"/>
+                <a:cs typeface="Open Sans"/>
+                <a:sym typeface="Open Sans"/>
+              </a:rPr>
+              <a:t>Spring-Boot </a:t>
+            </a:r>
+            <a:r>
+              <a:rPr lang="zh-CN" altLang="en-US" sz="1600" dirty="0">
+                <a:solidFill>
+                  <a:srgbClr val="75787B"/>
+                </a:solidFill>
+                <a:latin typeface="Open Sans"/>
+                <a:ea typeface="Open Sans"/>
+                <a:cs typeface="Open Sans"/>
+                <a:sym typeface="Open Sans"/>
+              </a:rPr>
+              <a:t>微服务接入</a:t>
+            </a:r>
+            <a:r>
+              <a:rPr lang="zh-CN" altLang="en-US" sz="1600" dirty="0" smtClean="0">
+                <a:solidFill>
+                  <a:srgbClr val="75787B"/>
+                </a:solidFill>
+                <a:latin typeface="Open Sans"/>
+                <a:ea typeface="Open Sans"/>
+                <a:cs typeface="Open Sans"/>
+                <a:sym typeface="Open Sans"/>
+              </a:rPr>
+              <a:t>规范</a:t>
+            </a:r>
+            <a:endParaRPr lang="en-US" altLang="zh-CN" sz="1600" dirty="0" smtClean="0">
+              <a:solidFill>
+                <a:srgbClr val="75787B"/>
+              </a:solidFill>
+              <a:latin typeface="Open Sans"/>
+              <a:cs typeface="Open Sans"/>
+              <a:sym typeface="Open Sans"/>
+            </a:endParaRPr>
+          </a:p>
+          <a:p>
+            <a:pPr marL="342900" indent="-342900">
+              <a:lnSpc>
+                <a:spcPct val="150000"/>
+              </a:lnSpc>
+              <a:buFont typeface="+mj-lt"/>
+              <a:buAutoNum type="arabicPeriod"/>
+            </a:pPr>
+            <a:r>
+              <a:rPr lang="zh-CN" altLang="en-US" sz="1600" dirty="0" smtClean="0">
+                <a:solidFill>
+                  <a:srgbClr val="75787B"/>
+                </a:solidFill>
+                <a:latin typeface="Open Sans"/>
+                <a:cs typeface="Open Sans"/>
+                <a:sym typeface="Open Sans"/>
+              </a:rPr>
+              <a:t>使用和</a:t>
+            </a:r>
+            <a:r>
+              <a:rPr lang="en-US" altLang="zh-CN" sz="1600" dirty="0" smtClean="0">
+                <a:solidFill>
+                  <a:srgbClr val="75787B"/>
+                </a:solidFill>
+                <a:latin typeface="Open Sans"/>
+                <a:cs typeface="Open Sans"/>
+                <a:sym typeface="Open Sans"/>
+              </a:rPr>
+              <a:t>Eureka Server</a:t>
+            </a:r>
+            <a:r>
+              <a:rPr lang="zh-CN" altLang="en-US" sz="1600" dirty="0" smtClean="0">
+                <a:solidFill>
+                  <a:srgbClr val="75787B"/>
+                </a:solidFill>
+                <a:latin typeface="Open Sans"/>
+                <a:cs typeface="Open Sans"/>
+                <a:sym typeface="Open Sans"/>
+              </a:rPr>
+              <a:t>同样的</a:t>
+            </a:r>
+            <a:r>
+              <a:rPr lang="en-US" altLang="zh-CN" sz="1600" dirty="0" smtClean="0">
+                <a:solidFill>
+                  <a:srgbClr val="75787B"/>
+                </a:solidFill>
+                <a:latin typeface="Open Sans"/>
+                <a:cs typeface="Open Sans"/>
+                <a:sym typeface="Open Sans"/>
+              </a:rPr>
+              <a:t>Spring Cloud </a:t>
+            </a:r>
+            <a:r>
+              <a:rPr lang="zh-CN" altLang="en-US" sz="1600" dirty="0" smtClean="0">
+                <a:solidFill>
+                  <a:srgbClr val="75787B"/>
+                </a:solidFill>
+                <a:latin typeface="Open Sans"/>
+                <a:cs typeface="Open Sans"/>
+                <a:sym typeface="Open Sans"/>
+              </a:rPr>
+              <a:t>版本</a:t>
+            </a:r>
+            <a:endParaRPr lang="en-US" altLang="zh-CN" sz="1600" dirty="0" smtClean="0">
+              <a:solidFill>
+                <a:srgbClr val="75787B"/>
+              </a:solidFill>
+              <a:latin typeface="Open Sans"/>
+              <a:cs typeface="Open Sans"/>
+              <a:sym typeface="Open Sans"/>
+            </a:endParaRPr>
+          </a:p>
+          <a:p>
+            <a:pPr marL="342900" indent="-342900">
+              <a:lnSpc>
+                <a:spcPct val="150000"/>
+              </a:lnSpc>
+              <a:buFont typeface="+mj-lt"/>
+              <a:buAutoNum type="arabicPeriod"/>
+            </a:pPr>
+            <a:r>
+              <a:rPr lang="en-US" altLang="zh-CN" sz="1600" dirty="0">
+                <a:solidFill>
+                  <a:srgbClr val="75787B"/>
+                </a:solidFill>
+                <a:latin typeface="Open Sans"/>
+                <a:ea typeface="Open Sans"/>
+                <a:cs typeface="Open Sans"/>
+                <a:sym typeface="Open Sans"/>
+              </a:rPr>
+              <a:t>Status Page</a:t>
+            </a:r>
+            <a:r>
+              <a:rPr lang="zh-CN" altLang="en-US" sz="1600" dirty="0">
+                <a:solidFill>
+                  <a:srgbClr val="75787B"/>
+                </a:solidFill>
+                <a:latin typeface="Open Sans"/>
+                <a:ea typeface="Open Sans"/>
+                <a:cs typeface="Open Sans"/>
+                <a:sym typeface="Open Sans"/>
+              </a:rPr>
+              <a:t>和</a:t>
+            </a:r>
+            <a:r>
+              <a:rPr lang="en-US" altLang="zh-CN" sz="1600" dirty="0">
+                <a:solidFill>
+                  <a:srgbClr val="75787B"/>
+                </a:solidFill>
+                <a:latin typeface="Open Sans"/>
+                <a:ea typeface="Open Sans"/>
+                <a:cs typeface="Open Sans"/>
+                <a:sym typeface="Open Sans"/>
+              </a:rPr>
+              <a:t>Health Indicator</a:t>
+            </a:r>
+            <a:r>
+              <a:rPr lang="zh-CN" altLang="en-US" sz="1600" dirty="0">
+                <a:solidFill>
+                  <a:srgbClr val="75787B"/>
+                </a:solidFill>
+                <a:latin typeface="Open Sans"/>
+                <a:ea typeface="Open Sans"/>
+                <a:cs typeface="Open Sans"/>
+                <a:sym typeface="Open Sans"/>
+              </a:rPr>
+              <a:t>必须返回</a:t>
+            </a:r>
+            <a:r>
+              <a:rPr lang="en-US" altLang="zh-CN" sz="1600" dirty="0" smtClean="0">
+                <a:solidFill>
+                  <a:srgbClr val="75787B"/>
+                </a:solidFill>
+                <a:latin typeface="Open Sans"/>
+                <a:ea typeface="Open Sans"/>
+                <a:cs typeface="Open Sans"/>
+                <a:sym typeface="Open Sans"/>
+              </a:rPr>
+              <a:t>200</a:t>
+            </a:r>
+          </a:p>
+          <a:p>
+            <a:pPr marL="342900" indent="-342900">
+              <a:lnSpc>
+                <a:spcPct val="150000"/>
+              </a:lnSpc>
+              <a:buFont typeface="+mj-lt"/>
+              <a:buAutoNum type="arabicPeriod"/>
+            </a:pPr>
+            <a:r>
+              <a:rPr lang="zh-CN" altLang="en-US" sz="1600" dirty="0" smtClean="0">
+                <a:solidFill>
+                  <a:srgbClr val="75787B"/>
+                </a:solidFill>
+                <a:latin typeface="Open Sans"/>
+                <a:cs typeface="Open Sans"/>
+                <a:sym typeface="Open Sans"/>
+              </a:rPr>
+              <a:t>配置只需要指定</a:t>
+            </a:r>
+            <a:r>
+              <a:rPr lang="en-US" altLang="zh-CN" sz="1600" dirty="0" smtClean="0">
+                <a:solidFill>
+                  <a:srgbClr val="75787B"/>
+                </a:solidFill>
+                <a:latin typeface="Open Sans"/>
+                <a:cs typeface="Open Sans"/>
+                <a:sym typeface="Open Sans"/>
+              </a:rPr>
+              <a:t>Eureka Server</a:t>
+            </a:r>
+            <a:r>
+              <a:rPr lang="zh-CN" altLang="en-US" sz="1600" dirty="0" smtClean="0">
+                <a:solidFill>
+                  <a:srgbClr val="75787B"/>
+                </a:solidFill>
+                <a:latin typeface="Open Sans"/>
+                <a:cs typeface="Open Sans"/>
+                <a:sym typeface="Open Sans"/>
+              </a:rPr>
+              <a:t>的</a:t>
+            </a:r>
+            <a:r>
+              <a:rPr lang="en-US" altLang="zh-CN" sz="1600" dirty="0" smtClean="0">
+                <a:solidFill>
+                  <a:srgbClr val="75787B"/>
+                </a:solidFill>
+                <a:latin typeface="Open Sans"/>
+                <a:cs typeface="Open Sans"/>
+                <a:sym typeface="Open Sans"/>
+              </a:rPr>
+              <a:t>URL</a:t>
+            </a:r>
+            <a:r>
+              <a:rPr lang="zh-CN" altLang="en-US" sz="1600" dirty="0" smtClean="0">
+                <a:solidFill>
+                  <a:srgbClr val="75787B"/>
+                </a:solidFill>
+                <a:latin typeface="Open Sans"/>
+                <a:cs typeface="Open Sans"/>
+                <a:sym typeface="Open Sans"/>
+              </a:rPr>
+              <a:t>，其他采用默认配置。 </a:t>
+            </a:r>
+            <a:endParaRPr lang="en-US" altLang="zh-CN" sz="1600" dirty="0" smtClean="0">
+              <a:solidFill>
+                <a:srgbClr val="75787B"/>
+              </a:solidFill>
+              <a:latin typeface="Open Sans"/>
+              <a:cs typeface="Open Sans"/>
+              <a:sym typeface="Open Sans"/>
+            </a:endParaRPr>
+          </a:p>
+          <a:p>
+            <a:pPr>
+              <a:lnSpc>
+                <a:spcPct val="150000"/>
+              </a:lnSpc>
+            </a:pPr>
+            <a:endParaRPr lang="zh-CN" altLang="en-US" sz="1600" dirty="0"/>
+          </a:p>
+        </p:txBody>
+      </p:sp>
+    </p:spTree>
+    <p:extLst>
+      <p:ext uri="{BB962C8B-B14F-4D97-AF65-F5344CB8AC3E}">
+        <p14:creationId xmlns:p14="http://schemas.microsoft.com/office/powerpoint/2010/main" val="3414373309"/>
+      </p:ext>
+    </p:extLst>
+  </p:cSld>
+  <p:clrMapOvr>
+    <a:masterClrMapping/>
+  </p:clrMapOvr>
+  <p:timing>
+    <p:tnLst>
+      <p:par>
+        <p:cTn id="1" dur="indefinite" restart="never" nodeType="tmRoot"/>
+      </p:par>
+    </p:tnLst>
+  </p:timing>
+</p:sld>
+</file>
+
+<file path=ppt/slides/slide9.xml><?xml version="1.0" encoding="utf-8"?>
+<p:sld xmlns:a="http://schemas.openxmlformats.org/drawingml/2006/main" xmlns:r="http://schemas.openxmlformats.org/officeDocument/2006/relationships" xmlns:p="http://schemas.openxmlformats.org/presentationml/2006/main">
+  <p:cSld>
+    <p:spTree>
+      <p:nvGrpSpPr>
+        <p:cNvPr id="1" name="Shape 312"/>
+        <p:cNvGrpSpPr/>
+        <p:nvPr/>
+      </p:nvGrpSpPr>
+      <p:grpSpPr>
+        <a:xfrm>
+          <a:off x="0" y="0"/>
+          <a:ext cx="0" cy="0"/>
+          <a:chOff x="0" y="0"/>
+          <a:chExt cx="0" cy="0"/>
+        </a:xfrm>
+      </p:grpSpPr>
+      <p:sp>
+        <p:nvSpPr>
+          <p:cNvPr id="386" name="Shape 386"/>
+          <p:cNvSpPr txBox="1">
+            <a:spLocks noGrp="1"/>
+          </p:cNvSpPr>
+          <p:nvPr>
+            <p:ph type="subTitle" idx="4294967295"/>
+          </p:nvPr>
+        </p:nvSpPr>
+        <p:spPr>
+          <a:xfrm>
+            <a:off x="178500" y="0"/>
+            <a:ext cx="11759600" cy="708400"/>
+          </a:xfrm>
+          <a:prstGeom prst="rect">
+            <a:avLst/>
+          </a:prstGeom>
+          <a:noFill/>
+          <a:ln>
+            <a:noFill/>
+          </a:ln>
+        </p:spPr>
+        <p:txBody>
+          <a:bodyPr vert="horz" lIns="121900" tIns="121900" rIns="121900" bIns="121900" rtlCol="0" anchor="b" anchorCtr="0">
+            <a:noAutofit/>
+          </a:bodyPr>
+          <a:lstStyle/>
+          <a:p>
+            <a:pPr marL="0" indent="0">
+              <a:lnSpc>
+                <a:spcPct val="115000"/>
+              </a:lnSpc>
+              <a:spcBef>
+                <a:spcPts val="0"/>
+              </a:spcBef>
+              <a:buClr>
+                <a:srgbClr val="75787A"/>
+              </a:buClr>
+              <a:buSzPct val="25000"/>
+              <a:buNone/>
+            </a:pPr>
+            <a:r>
+              <a:rPr lang="zh-CN" altLang="en-US" sz="1800" dirty="0">
+                <a:solidFill>
+                  <a:srgbClr val="75787B"/>
+                </a:solidFill>
+                <a:latin typeface="Open Sans"/>
+                <a:ea typeface="Open Sans"/>
+                <a:cs typeface="Open Sans"/>
+                <a:sym typeface="Open Sans"/>
+              </a:rPr>
+              <a:t>示例代码和 参考资源</a:t>
+            </a:r>
+            <a:endParaRPr lang="en-US" altLang="zh-CN" sz="1800" dirty="0">
+              <a:solidFill>
+                <a:srgbClr val="75787B"/>
+              </a:solidFill>
+              <a:latin typeface="Open Sans"/>
+              <a:ea typeface="Open Sans"/>
+              <a:cs typeface="Open Sans"/>
+              <a:sym typeface="Open Sans"/>
+            </a:endParaRPr>
+          </a:p>
+        </p:txBody>
+      </p:sp>
+      <p:sp>
+        <p:nvSpPr>
+          <p:cNvPr id="4" name="文本框 3"/>
+          <p:cNvSpPr txBox="1"/>
+          <p:nvPr/>
+        </p:nvSpPr>
+        <p:spPr>
+          <a:xfrm>
+            <a:off x="297396" y="951914"/>
+            <a:ext cx="11449318" cy="6370975"/>
+          </a:xfrm>
+          <a:prstGeom prst="rect">
+            <a:avLst/>
+          </a:prstGeom>
+          <a:noFill/>
+        </p:spPr>
+        <p:txBody>
+          <a:bodyPr wrap="square" rtlCol="0">
+            <a:spAutoFit/>
+          </a:bodyPr>
+          <a:lstStyle/>
+          <a:p>
+            <a:pPr>
+              <a:lnSpc>
+                <a:spcPct val="150000"/>
+              </a:lnSpc>
+            </a:pPr>
+            <a:r>
+              <a:rPr lang="zh-CN" altLang="en-US" sz="1600" b="1" dirty="0">
+                <a:solidFill>
+                  <a:srgbClr val="75787B"/>
+                </a:solidFill>
+                <a:latin typeface="Open Sans"/>
+                <a:cs typeface="Open Sans"/>
+                <a:sym typeface="Open Sans"/>
+                <a:hlinkClick r:id="rId3"/>
+              </a:rPr>
+              <a:t>示例代码</a:t>
+            </a:r>
+            <a:r>
+              <a:rPr lang="zh-CN" altLang="en-US" sz="1600" b="1" dirty="0" smtClean="0">
+                <a:solidFill>
+                  <a:srgbClr val="75787B"/>
+                </a:solidFill>
+                <a:latin typeface="Open Sans"/>
+                <a:cs typeface="Open Sans"/>
+                <a:sym typeface="Open Sans"/>
+                <a:hlinkClick r:id="rId3"/>
+              </a:rPr>
+              <a:t>：</a:t>
+            </a:r>
+            <a:endParaRPr lang="en-US" altLang="zh-CN" sz="1600" b="1" dirty="0">
+              <a:solidFill>
+                <a:srgbClr val="75787B"/>
+              </a:solidFill>
+              <a:latin typeface="Open Sans"/>
+              <a:cs typeface="Open Sans"/>
+              <a:sym typeface="Open Sans"/>
+              <a:hlinkClick r:id="rId3"/>
+            </a:endParaRPr>
+          </a:p>
+          <a:p>
+            <a:pPr>
+              <a:lnSpc>
+                <a:spcPct val="150000"/>
+              </a:lnSpc>
+            </a:pPr>
+            <a:r>
+              <a:rPr lang="en-US" altLang="zh-CN" sz="1600" dirty="0" smtClean="0">
+                <a:solidFill>
+                  <a:srgbClr val="75787B"/>
+                </a:solidFill>
+                <a:latin typeface="Open Sans"/>
+                <a:ea typeface="Open Sans"/>
+                <a:cs typeface="Open Sans"/>
+                <a:sym typeface="Open Sans"/>
+                <a:hlinkClick r:id="rId3"/>
+              </a:rPr>
+              <a:t>https</a:t>
+            </a:r>
+            <a:r>
+              <a:rPr lang="en-US" altLang="zh-CN" sz="1600" dirty="0">
+                <a:solidFill>
+                  <a:srgbClr val="75787B"/>
+                </a:solidFill>
+                <a:latin typeface="Open Sans"/>
+                <a:ea typeface="Open Sans"/>
+                <a:cs typeface="Open Sans"/>
+                <a:sym typeface="Open Sans"/>
+                <a:hlinkClick r:id="rId3"/>
+              </a:rPr>
+              <a:t>://</a:t>
+            </a:r>
+            <a:r>
+              <a:rPr lang="en-US" altLang="zh-CN" sz="1600" dirty="0" smtClean="0">
+                <a:solidFill>
+                  <a:srgbClr val="75787B"/>
+                </a:solidFill>
+                <a:latin typeface="Open Sans"/>
+                <a:ea typeface="Open Sans"/>
+                <a:cs typeface="Open Sans"/>
+                <a:sym typeface="Open Sans"/>
+                <a:hlinkClick r:id="rId3"/>
+              </a:rPr>
+              <a:t>github.com/choelea/spring-cloud-nodejs</a:t>
+            </a:r>
+            <a:endParaRPr lang="en-US" altLang="zh-CN" sz="1600" dirty="0" smtClean="0">
+              <a:solidFill>
+                <a:srgbClr val="75787B"/>
+              </a:solidFill>
+              <a:latin typeface="Open Sans"/>
+              <a:ea typeface="Open Sans"/>
+              <a:cs typeface="Open Sans"/>
+              <a:sym typeface="Open Sans"/>
+            </a:endParaRPr>
+          </a:p>
+          <a:p>
+            <a:pPr>
+              <a:lnSpc>
+                <a:spcPct val="150000"/>
+              </a:lnSpc>
+            </a:pPr>
+            <a:endParaRPr lang="en-US" altLang="zh-CN" sz="1600" dirty="0" smtClean="0">
+              <a:solidFill>
+                <a:srgbClr val="75787B"/>
+              </a:solidFill>
+              <a:latin typeface="Open Sans"/>
+              <a:ea typeface="Open Sans"/>
+              <a:cs typeface="Open Sans"/>
+              <a:sym typeface="Open Sans"/>
+            </a:endParaRPr>
+          </a:p>
+          <a:p>
+            <a:pPr>
+              <a:lnSpc>
+                <a:spcPct val="150000"/>
+              </a:lnSpc>
+            </a:pPr>
+            <a:r>
+              <a:rPr lang="zh-CN" altLang="en-US" sz="1600" b="1" dirty="0" smtClean="0">
+                <a:solidFill>
+                  <a:srgbClr val="75787B"/>
+                </a:solidFill>
+                <a:latin typeface="Open Sans"/>
+                <a:cs typeface="Open Sans"/>
+                <a:sym typeface="Open Sans"/>
+              </a:rPr>
+              <a:t>参考资源</a:t>
+            </a:r>
+            <a:r>
+              <a:rPr lang="zh-CN" altLang="en-US" sz="1600" b="1" dirty="0" smtClean="0">
+                <a:solidFill>
+                  <a:srgbClr val="75787B"/>
+                </a:solidFill>
+                <a:latin typeface="Open Sans"/>
+                <a:cs typeface="Open Sans"/>
+                <a:sym typeface="Open Sans"/>
+              </a:rPr>
+              <a:t>：</a:t>
+            </a:r>
+            <a:endParaRPr lang="en-US" altLang="zh-CN" sz="1600" b="1" dirty="0" smtClean="0">
+              <a:solidFill>
+                <a:srgbClr val="75787B"/>
+              </a:solidFill>
+              <a:latin typeface="Open Sans"/>
+              <a:cs typeface="Open Sans"/>
+              <a:sym typeface="Open Sans"/>
+            </a:endParaRPr>
+          </a:p>
+          <a:p>
+            <a:pPr lvl="0">
+              <a:lnSpc>
+                <a:spcPct val="150000"/>
+              </a:lnSpc>
+            </a:pPr>
+            <a:r>
+              <a:rPr lang="en-US" altLang="zh-CN" sz="1600" dirty="0">
+                <a:solidFill>
+                  <a:schemeClr val="dk1"/>
+                </a:solidFill>
+                <a:latin typeface="Roboto"/>
+                <a:ea typeface="Roboto"/>
+                <a:cs typeface="Roboto"/>
+                <a:sym typeface="Roboto"/>
+                <a:hlinkClick r:id="rId4"/>
+              </a:rPr>
+              <a:t>https://</a:t>
+            </a:r>
+            <a:r>
+              <a:rPr lang="en-US" altLang="zh-CN" sz="1600" dirty="0" smtClean="0">
+                <a:solidFill>
+                  <a:schemeClr val="dk1"/>
+                </a:solidFill>
+                <a:latin typeface="Roboto"/>
+                <a:ea typeface="Roboto"/>
+                <a:cs typeface="Roboto"/>
+                <a:sym typeface="Roboto"/>
+                <a:hlinkClick r:id="rId4"/>
+              </a:rPr>
+              <a:t>cloud.spring.io/spring-cloud-netflix/multi/multi_spring-cloud-eureka-server.html#spring-cloud-eureka-server-zones-and-regions</a:t>
+            </a:r>
+            <a:endParaRPr lang="en-US" altLang="zh-CN" sz="1600" dirty="0" smtClean="0">
+              <a:solidFill>
+                <a:schemeClr val="dk1"/>
+              </a:solidFill>
+              <a:latin typeface="Roboto"/>
+              <a:ea typeface="Roboto"/>
+              <a:cs typeface="Roboto"/>
+              <a:sym typeface="Roboto"/>
+            </a:endParaRPr>
+          </a:p>
+          <a:p>
+            <a:pPr>
+              <a:lnSpc>
+                <a:spcPct val="150000"/>
+              </a:lnSpc>
+            </a:pPr>
+            <a:r>
+              <a:rPr lang="en-US" altLang="zh-CN" sz="1600" dirty="0">
+                <a:solidFill>
+                  <a:schemeClr val="dk1"/>
+                </a:solidFill>
+                <a:latin typeface="Roboto"/>
+                <a:ea typeface="Roboto"/>
+                <a:cs typeface="Roboto"/>
+                <a:sym typeface="Roboto"/>
+                <a:hlinkClick r:id="rId4"/>
+              </a:rPr>
+              <a:t>https://</a:t>
+            </a:r>
+            <a:r>
+              <a:rPr lang="en-US" altLang="zh-CN" sz="1600" dirty="0" smtClean="0">
+                <a:solidFill>
+                  <a:schemeClr val="dk1"/>
+                </a:solidFill>
+                <a:latin typeface="Roboto"/>
+                <a:ea typeface="Roboto"/>
+                <a:cs typeface="Roboto"/>
+                <a:sym typeface="Roboto"/>
+                <a:hlinkClick r:id="rId4"/>
+              </a:rPr>
+              <a:t>cloud.spring.io/spring-cloud-netflix/multi/multi_spring-cloud-eureka-server.html#spring-cloud-eureka-server-zones-and-regions</a:t>
+            </a:r>
+            <a:endParaRPr lang="en-US" altLang="zh-CN" sz="1600" dirty="0" smtClean="0">
+              <a:solidFill>
+                <a:schemeClr val="dk1"/>
+              </a:solidFill>
+              <a:latin typeface="Roboto"/>
+              <a:ea typeface="Roboto"/>
+              <a:cs typeface="Roboto"/>
+              <a:sym typeface="Roboto"/>
+            </a:endParaRPr>
+          </a:p>
+          <a:p>
+            <a:pPr>
+              <a:lnSpc>
+                <a:spcPct val="150000"/>
+              </a:lnSpc>
+            </a:pPr>
+            <a:r>
+              <a:rPr lang="en-US" altLang="zh-CN" sz="1600" dirty="0" smtClean="0">
+                <a:solidFill>
+                  <a:schemeClr val="dk1"/>
+                </a:solidFill>
+                <a:latin typeface="Roboto"/>
+                <a:ea typeface="Roboto"/>
+                <a:cs typeface="Roboto"/>
+                <a:sym typeface="Roboto"/>
+                <a:hlinkClick r:id="rId5"/>
+              </a:rPr>
+              <a:t>http</a:t>
+            </a:r>
+            <a:r>
+              <a:rPr lang="en-US" altLang="zh-CN" sz="1600" dirty="0">
+                <a:solidFill>
+                  <a:schemeClr val="dk1"/>
+                </a:solidFill>
+                <a:latin typeface="Roboto"/>
+                <a:ea typeface="Roboto"/>
+                <a:cs typeface="Roboto"/>
+                <a:sym typeface="Roboto"/>
+                <a:hlinkClick r:id="rId5"/>
+              </a:rPr>
+              <a:t>://cloud.spring.io/spring-cloud-static/spring-cloud.html#_</a:t>
+            </a:r>
+            <a:r>
+              <a:rPr lang="en-US" altLang="zh-CN" sz="1600" dirty="0" smtClean="0">
+                <a:solidFill>
+                  <a:schemeClr val="dk1"/>
+                </a:solidFill>
+                <a:latin typeface="Roboto"/>
+                <a:ea typeface="Roboto"/>
+                <a:cs typeface="Roboto"/>
+                <a:sym typeface="Roboto"/>
+                <a:hlinkClick r:id="rId5"/>
+              </a:rPr>
+              <a:t>spring_cloud_netflix</a:t>
+            </a:r>
+            <a:endParaRPr lang="en-US" altLang="zh-CN" sz="1600" dirty="0" smtClean="0">
+              <a:solidFill>
+                <a:schemeClr val="dk1"/>
+              </a:solidFill>
+              <a:latin typeface="Roboto"/>
+              <a:ea typeface="Roboto"/>
+              <a:cs typeface="Roboto"/>
+              <a:sym typeface="Roboto"/>
+            </a:endParaRPr>
+          </a:p>
+          <a:p>
+            <a:pPr>
+              <a:lnSpc>
+                <a:spcPct val="150000"/>
+              </a:lnSpc>
+            </a:pPr>
+            <a:r>
+              <a:rPr lang="en-US" altLang="zh-CN" sz="1600" dirty="0">
+                <a:solidFill>
+                  <a:schemeClr val="dk1"/>
+                </a:solidFill>
+                <a:latin typeface="Roboto"/>
+                <a:ea typeface="Roboto"/>
+                <a:cs typeface="Roboto"/>
+                <a:sym typeface="Roboto"/>
+                <a:hlinkClick r:id="rId6"/>
+              </a:rPr>
+              <a:t>https://</a:t>
+            </a:r>
+            <a:r>
+              <a:rPr lang="en-US" altLang="zh-CN" sz="1600" dirty="0" smtClean="0">
+                <a:solidFill>
+                  <a:schemeClr val="dk1"/>
+                </a:solidFill>
+                <a:latin typeface="Roboto"/>
+                <a:ea typeface="Roboto"/>
+                <a:cs typeface="Roboto"/>
+                <a:sym typeface="Roboto"/>
+                <a:hlinkClick r:id="rId6"/>
+              </a:rPr>
+              <a:t>github.com/spring-cloud/spring-cloud-netflix/issues/203</a:t>
+            </a:r>
+            <a:endParaRPr lang="en-US" altLang="zh-CN" sz="1600" dirty="0" smtClean="0">
+              <a:solidFill>
+                <a:schemeClr val="dk1"/>
+              </a:solidFill>
+              <a:latin typeface="Roboto"/>
+              <a:ea typeface="Roboto"/>
+              <a:cs typeface="Roboto"/>
+              <a:sym typeface="Roboto"/>
+            </a:endParaRPr>
+          </a:p>
+          <a:p>
+            <a:pPr>
+              <a:lnSpc>
+                <a:spcPct val="150000"/>
+              </a:lnSpc>
+            </a:pPr>
+            <a:r>
+              <a:rPr lang="en-US" altLang="zh-CN" sz="1600" dirty="0">
+                <a:solidFill>
+                  <a:schemeClr val="dk1"/>
+                </a:solidFill>
+                <a:latin typeface="Roboto"/>
+                <a:ea typeface="Roboto"/>
+                <a:cs typeface="Roboto"/>
+                <a:sym typeface="Roboto"/>
+                <a:hlinkClick r:id="rId7"/>
+              </a:rPr>
+              <a:t>http://www.itmuch.com/spring-cloud-sum-eureka</a:t>
+            </a:r>
+            <a:r>
+              <a:rPr lang="en-US" altLang="zh-CN" sz="1600" dirty="0" smtClean="0">
+                <a:solidFill>
+                  <a:schemeClr val="dk1"/>
+                </a:solidFill>
+                <a:latin typeface="Roboto"/>
+                <a:ea typeface="Roboto"/>
+                <a:cs typeface="Roboto"/>
+                <a:sym typeface="Roboto"/>
+                <a:hlinkClick r:id="rId7"/>
+              </a:rPr>
+              <a:t>/</a:t>
+            </a:r>
+            <a:endParaRPr lang="en-US" altLang="zh-CN" sz="1600" dirty="0" smtClean="0">
+              <a:solidFill>
+                <a:schemeClr val="dk1"/>
+              </a:solidFill>
+              <a:latin typeface="Roboto"/>
+              <a:ea typeface="Roboto"/>
+              <a:cs typeface="Roboto"/>
+              <a:sym typeface="Roboto"/>
+            </a:endParaRPr>
+          </a:p>
+          <a:p>
+            <a:pPr>
+              <a:lnSpc>
+                <a:spcPct val="150000"/>
+              </a:lnSpc>
+            </a:pPr>
+            <a:r>
+              <a:rPr lang="en-US" altLang="zh-CN" sz="1600" dirty="0">
+                <a:solidFill>
+                  <a:schemeClr val="dk1"/>
+                </a:solidFill>
+                <a:latin typeface="Roboto"/>
+                <a:ea typeface="Roboto"/>
+                <a:cs typeface="Roboto"/>
+                <a:sym typeface="Roboto"/>
+                <a:hlinkClick r:id="rId8"/>
+              </a:rPr>
+              <a:t>https://blog.asarkar.org/technical/netflix-eureka</a:t>
+            </a:r>
+            <a:r>
+              <a:rPr lang="en-US" altLang="zh-CN" sz="1600" dirty="0" smtClean="0">
+                <a:solidFill>
+                  <a:schemeClr val="dk1"/>
+                </a:solidFill>
+                <a:latin typeface="Roboto"/>
+                <a:ea typeface="Roboto"/>
+                <a:cs typeface="Roboto"/>
+                <a:sym typeface="Roboto"/>
+                <a:hlinkClick r:id="rId8"/>
+              </a:rPr>
+              <a:t>/</a:t>
+            </a:r>
+            <a:r>
+              <a:rPr lang="en-US" altLang="zh-CN" sz="1600" dirty="0" smtClean="0">
+                <a:solidFill>
+                  <a:schemeClr val="dk1"/>
+                </a:solidFill>
+                <a:latin typeface="Roboto"/>
+                <a:ea typeface="Roboto"/>
+                <a:cs typeface="Roboto"/>
+                <a:sym typeface="Roboto"/>
+              </a:rPr>
+              <a:t>  </a:t>
+            </a:r>
+            <a:r>
+              <a:rPr lang="zh-CN" altLang="en-US" sz="1600" dirty="0" smtClean="0">
+                <a:solidFill>
+                  <a:schemeClr val="dk1"/>
+                </a:solidFill>
+                <a:latin typeface="Roboto"/>
+                <a:ea typeface="Roboto"/>
+                <a:cs typeface="Roboto"/>
+                <a:sym typeface="Roboto"/>
+              </a:rPr>
+              <a:t>弥补</a:t>
+            </a:r>
+            <a:r>
+              <a:rPr lang="en-US" altLang="zh-CN" sz="1600" dirty="0" smtClean="0">
+                <a:solidFill>
+                  <a:schemeClr val="dk1"/>
+                </a:solidFill>
+                <a:latin typeface="Roboto"/>
+                <a:ea typeface="Roboto"/>
+                <a:cs typeface="Roboto"/>
+                <a:sym typeface="Roboto"/>
+              </a:rPr>
+              <a:t>Spring Cloud </a:t>
+            </a:r>
+            <a:r>
+              <a:rPr lang="zh-CN" altLang="en-US" sz="1600" dirty="0" smtClean="0">
+                <a:solidFill>
+                  <a:schemeClr val="dk1"/>
+                </a:solidFill>
+                <a:latin typeface="Roboto"/>
+                <a:ea typeface="Roboto"/>
+                <a:cs typeface="Roboto"/>
+                <a:sym typeface="Roboto"/>
+              </a:rPr>
+              <a:t>和</a:t>
+            </a:r>
+            <a:r>
+              <a:rPr lang="en-US" altLang="zh-CN" sz="1600" dirty="0" smtClean="0">
+                <a:solidFill>
+                  <a:schemeClr val="dk1"/>
+                </a:solidFill>
+                <a:latin typeface="Roboto"/>
+                <a:ea typeface="Roboto"/>
+                <a:cs typeface="Roboto"/>
+                <a:sym typeface="Roboto"/>
+              </a:rPr>
+              <a:t>Eureka</a:t>
+            </a:r>
+            <a:r>
+              <a:rPr lang="zh-CN" altLang="en-US" sz="1600" dirty="0" smtClean="0">
+                <a:solidFill>
+                  <a:schemeClr val="dk1"/>
+                </a:solidFill>
+                <a:latin typeface="Roboto"/>
+                <a:ea typeface="Roboto"/>
+                <a:cs typeface="Roboto"/>
+                <a:sym typeface="Roboto"/>
+              </a:rPr>
+              <a:t>之间的文档不足</a:t>
+            </a:r>
+            <a:endParaRPr lang="en-US" altLang="zh-CN" sz="1600" dirty="0" smtClean="0">
+              <a:solidFill>
+                <a:schemeClr val="dk1"/>
+              </a:solidFill>
+              <a:latin typeface="Roboto"/>
+              <a:ea typeface="Roboto"/>
+              <a:cs typeface="Roboto"/>
+              <a:sym typeface="Roboto"/>
+            </a:endParaRPr>
+          </a:p>
+          <a:p>
+            <a:pPr>
+              <a:lnSpc>
+                <a:spcPct val="150000"/>
+              </a:lnSpc>
+            </a:pPr>
+            <a:r>
+              <a:rPr lang="en-US" altLang="zh-CN" sz="1600" dirty="0">
+                <a:solidFill>
+                  <a:schemeClr val="dk1"/>
+                </a:solidFill>
+                <a:latin typeface="Roboto"/>
+                <a:ea typeface="Roboto"/>
+                <a:cs typeface="Roboto"/>
+                <a:sym typeface="Roboto"/>
+                <a:hlinkClick r:id="rId9"/>
+              </a:rPr>
+              <a:t>https://</a:t>
+            </a:r>
+            <a:r>
+              <a:rPr lang="en-US" altLang="zh-CN" sz="1600" dirty="0" smtClean="0">
+                <a:solidFill>
+                  <a:schemeClr val="dk1"/>
+                </a:solidFill>
+                <a:latin typeface="Roboto"/>
+                <a:ea typeface="Roboto"/>
+                <a:cs typeface="Roboto"/>
+                <a:sym typeface="Roboto"/>
+                <a:hlinkClick r:id="rId9"/>
+              </a:rPr>
+              <a:t>github.com/Netflix/eureka/wiki/Understanding-Eureka-Peer-to-Peer-Communication</a:t>
+            </a:r>
+            <a:endParaRPr lang="en-US" altLang="zh-CN" sz="1600" dirty="0" smtClean="0">
+              <a:solidFill>
+                <a:schemeClr val="dk1"/>
+              </a:solidFill>
+              <a:latin typeface="Roboto"/>
+              <a:ea typeface="Roboto"/>
+              <a:cs typeface="Roboto"/>
+              <a:sym typeface="Roboto"/>
+            </a:endParaRPr>
+          </a:p>
+          <a:p>
+            <a:pPr>
+              <a:lnSpc>
+                <a:spcPct val="150000"/>
+              </a:lnSpc>
+            </a:pPr>
+            <a:endParaRPr lang="en-US" altLang="zh-CN" sz="1600" dirty="0" smtClean="0">
+              <a:solidFill>
+                <a:schemeClr val="dk1"/>
+              </a:solidFill>
+              <a:latin typeface="Roboto"/>
+              <a:ea typeface="Roboto"/>
+              <a:cs typeface="Roboto"/>
+              <a:sym typeface="Roboto"/>
+            </a:endParaRPr>
+          </a:p>
+          <a:p>
+            <a:pPr>
+              <a:lnSpc>
+                <a:spcPct val="150000"/>
+              </a:lnSpc>
+            </a:pPr>
+            <a:endParaRPr lang="en-US" altLang="zh-CN" sz="1600" dirty="0" smtClean="0">
+              <a:solidFill>
+                <a:schemeClr val="dk1"/>
+              </a:solidFill>
+              <a:latin typeface="Roboto"/>
+              <a:ea typeface="Roboto"/>
+              <a:cs typeface="Roboto"/>
+              <a:sym typeface="Roboto"/>
+            </a:endParaRPr>
+          </a:p>
+          <a:p>
+            <a:pPr>
+              <a:lnSpc>
+                <a:spcPct val="150000"/>
+              </a:lnSpc>
+            </a:pPr>
+            <a:endParaRPr lang="en-US" altLang="zh-CN" sz="1600" dirty="0" smtClean="0">
+              <a:solidFill>
+                <a:schemeClr val="dk1"/>
+              </a:solidFill>
+              <a:latin typeface="Roboto"/>
+              <a:ea typeface="Roboto"/>
+              <a:cs typeface="Roboto"/>
+              <a:sym typeface="Roboto"/>
+            </a:endParaRPr>
+          </a:p>
+          <a:p>
+            <a:pPr>
+              <a:lnSpc>
+                <a:spcPct val="150000"/>
+              </a:lnSpc>
+            </a:pPr>
+            <a:endParaRPr lang="zh-CN" altLang="en-US" sz="1600" dirty="0"/>
+          </a:p>
+        </p:txBody>
+      </p:sp>
+    </p:spTree>
+    <p:extLst>
+      <p:ext uri="{BB962C8B-B14F-4D97-AF65-F5344CB8AC3E}">
+        <p14:creationId xmlns:p14="http://schemas.microsoft.com/office/powerpoint/2010/main" val="3534307321"/>
       </p:ext>
     </p:extLst>
   </p:cSld>
